--- a/Learn Python from trading.pptx
+++ b/Learn Python from trading.pptx
@@ -5,19 +5,20 @@
     <p:sldMasterId id="2147483660" r:id="rId1"/>
   </p:sldMasterIdLst>
   <p:notesMasterIdLst>
-    <p:notesMasterId r:id="rId9"/>
+    <p:notesMasterId r:id="rId10"/>
   </p:notesMasterIdLst>
   <p:handoutMasterIdLst>
-    <p:handoutMasterId r:id="rId10"/>
+    <p:handoutMasterId r:id="rId11"/>
   </p:handoutMasterIdLst>
   <p:sldIdLst>
     <p:sldId id="256" r:id="rId2"/>
     <p:sldId id="392" r:id="rId3"/>
     <p:sldId id="393" r:id="rId4"/>
-    <p:sldId id="275" r:id="rId5"/>
-    <p:sldId id="276" r:id="rId6"/>
-    <p:sldId id="395" r:id="rId7"/>
-    <p:sldId id="394" r:id="rId8"/>
+    <p:sldId id="396" r:id="rId5"/>
+    <p:sldId id="275" r:id="rId6"/>
+    <p:sldId id="276" r:id="rId7"/>
+    <p:sldId id="395" r:id="rId8"/>
+    <p:sldId id="394" r:id="rId9"/>
   </p:sldIdLst>
   <p:sldSz cx="9144000" cy="6858000" type="screen4x3"/>
   <p:notesSz cx="6858000" cy="9144000"/>
@@ -244,7 +245,7 @@
             <a:fld id="{1BAED485-D643-44CF-9035-D13D97B593B5}" type="datetimeFigureOut">
               <a:rPr lang="zh-TW" altLang="en-US"/>
               <a:pPr/>
-              <a:t>2015/9/17</a:t>
+              <a:t>16/7/2</a:t>
             </a:fld>
             <a:endParaRPr lang="zh-TW" altLang="en-US"/>
           </a:p>
@@ -562,7 +563,7 @@
             <a:fld id="{5620DA85-2284-4AFD-B1E9-D8DDCCF1B6CF}" type="datetimeFigureOut">
               <a:rPr lang="zh-TW" altLang="en-US"/>
               <a:pPr/>
-              <a:t>2015/9/17</a:t>
+              <a:t>16/7/2</a:t>
             </a:fld>
             <a:endParaRPr lang="zh-TW" altLang="en-US"/>
           </a:p>
@@ -1659,14 +1660,14 @@
         <p:spPr bwMode="auto">
           <a:noFill/>
           <a:extLst>
-            <a:ext uri="{909E8E84-426E-40DD-AFC4-6F175D3DCCD1}">
+            <a:ext uri="{909E8E84-426E-40dd-AFC4-6F175D3DCCD1}">
               <a14:hiddenFill xmlns:a14="http://schemas.microsoft.com/office/drawing/2010/main">
                 <a:solidFill>
                   <a:srgbClr val="FFFFFF"/>
                 </a:solidFill>
               </a14:hiddenFill>
             </a:ext>
-            <a:ext uri="{91240B29-F687-4F45-9708-019B960494DF}">
+            <a:ext uri="{91240B29-F687-4f45-9708-019B960494DF}">
               <a14:hiddenLine xmlns:a14="http://schemas.microsoft.com/office/drawing/2010/main" w="9525">
                 <a:solidFill>
                   <a:srgbClr val="000000"/>
@@ -1792,7 +1793,7 @@
             <a:fld id="{D7695ABF-6D8F-4724-9179-CBE067474741}" type="slidenum">
               <a:rPr lang="en-US" altLang="zh-TW" sz="1200"/>
               <a:pPr eaLnBrk="1" hangingPunct="1"/>
-              <a:t>4</a:t>
+              <a:t>5</a:t>
             </a:fld>
             <a:endParaRPr lang="en-US" altLang="zh-TW" sz="1200"/>
           </a:p>
@@ -1819,7 +1820,7 @@
             <a:tailEnd/>
           </a:ln>
           <a:extLst>
-            <a:ext uri="{909E8E84-426E-40DD-AFC4-6F175D3DCCD1}">
+            <a:ext uri="{909E8E84-426E-40dd-AFC4-6F175D3DCCD1}">
               <a14:hiddenFill xmlns:a14="http://schemas.microsoft.com/office/drawing/2010/main">
                 <a:solidFill>
                   <a:srgbClr val="FFFFFF"/>
@@ -1842,14 +1843,14 @@
         <p:spPr bwMode="auto">
           <a:noFill/>
           <a:extLst>
-            <a:ext uri="{909E8E84-426E-40DD-AFC4-6F175D3DCCD1}">
+            <a:ext uri="{909E8E84-426E-40dd-AFC4-6F175D3DCCD1}">
               <a14:hiddenFill xmlns:a14="http://schemas.microsoft.com/office/drawing/2010/main">
                 <a:solidFill>
                   <a:srgbClr val="FFFFFF"/>
                 </a:solidFill>
               </a14:hiddenFill>
             </a:ext>
-            <a:ext uri="{91240B29-F687-4F45-9708-019B960494DF}">
+            <a:ext uri="{91240B29-F687-4f45-9708-019B960494DF}">
               <a14:hiddenLine xmlns:a14="http://schemas.microsoft.com/office/drawing/2010/main" w="9525">
                 <a:solidFill>
                   <a:srgbClr val="000000"/>
@@ -1914,7 +1915,7 @@
             <a:fld id="{993A7F9F-9445-4540-A025-9BA9EC23159C}" type="slidenum">
               <a:rPr lang="en-US" altLang="zh-TW"/>
               <a:pPr/>
-              <a:t>6</a:t>
+              <a:t>7</a:t>
             </a:fld>
             <a:endParaRPr lang="en-US" altLang="zh-TW"/>
           </a:p>
@@ -1924,7 +1925,7 @@
         <p:nvSpPr>
           <p:cNvPr id="12290" name="Rectangle 2"/>
           <p:cNvSpPr>
-            <a:spLocks noRot="1" noChangeArrowheads="1" noTextEdit="1"/>
+            <a:spLocks noGrp="1" noRot="1" noChangeAspect="1" noChangeArrowheads="1" noTextEdit="1"/>
           </p:cNvSpPr>
           <p:nvPr>
             <p:ph type="sldImg"/>
@@ -1998,7 +1999,7 @@
             <a:fld id="{36761513-C24B-4A78-ADCE-130B2F4535D5}" type="slidenum">
               <a:rPr lang="en-US" altLang="zh-TW"/>
               <a:pPr/>
-              <a:t>7</a:t>
+              <a:t>8</a:t>
             </a:fld>
             <a:endParaRPr lang="en-US" altLang="zh-TW"/>
           </a:p>
@@ -2008,7 +2009,7 @@
         <p:nvSpPr>
           <p:cNvPr id="20482" name="Rectangle 2"/>
           <p:cNvSpPr>
-            <a:spLocks noRot="1" noChangeArrowheads="1" noTextEdit="1"/>
+            <a:spLocks noGrp="1" noRot="1" noChangeAspect="1" noChangeArrowheads="1" noTextEdit="1"/>
           </p:cNvSpPr>
           <p:nvPr>
             <p:ph type="sldImg"/>
@@ -2259,14 +2260,14 @@
             <a:noFill/>
           </a:ln>
           <a:extLst>
-            <a:ext uri="{909E8E84-426E-40DD-AFC4-6F175D3DCCD1}">
+            <a:ext uri="{909E8E84-426E-40dd-AFC4-6F175D3DCCD1}">
               <a14:hiddenFill xmlns:a14="http://schemas.microsoft.com/office/drawing/2010/main">
                 <a:solidFill>
                   <a:srgbClr val="FFFFFF"/>
                 </a:solidFill>
               </a14:hiddenFill>
             </a:ext>
-            <a:ext uri="{91240B29-F687-4F45-9708-019B960494DF}">
+            <a:ext uri="{91240B29-F687-4f45-9708-019B960494DF}">
               <a14:hiddenLine xmlns:a14="http://schemas.microsoft.com/office/drawing/2010/main" w="9525">
                 <a:solidFill>
                   <a:srgbClr val="000000"/>
@@ -2616,14 +2617,14 @@
             <a:noFill/>
           </a:ln>
           <a:extLst>
-            <a:ext uri="{909E8E84-426E-40DD-AFC4-6F175D3DCCD1}">
+            <a:ext uri="{909E8E84-426E-40dd-AFC4-6F175D3DCCD1}">
               <a14:hiddenFill xmlns:a14="http://schemas.microsoft.com/office/drawing/2010/main">
                 <a:solidFill>
                   <a:srgbClr val="FFFFFF"/>
                 </a:solidFill>
               </a14:hiddenFill>
             </a:ext>
-            <a:ext uri="{91240B29-F687-4F45-9708-019B960494DF}">
+            <a:ext uri="{91240B29-F687-4f45-9708-019B960494DF}">
               <a14:hiddenLine xmlns:a14="http://schemas.microsoft.com/office/drawing/2010/main" w="9525">
                 <a:solidFill>
                   <a:srgbClr val="000000"/>
@@ -3105,14 +3106,14 @@
             <a:noFill/>
           </a:ln>
           <a:extLst>
-            <a:ext uri="{909E8E84-426E-40DD-AFC4-6F175D3DCCD1}">
+            <a:ext uri="{909E8E84-426E-40dd-AFC4-6F175D3DCCD1}">
               <a14:hiddenFill xmlns:a14="http://schemas.microsoft.com/office/drawing/2010/main">
                 <a:solidFill>
                   <a:srgbClr val="FFFFFF"/>
                 </a:solidFill>
               </a14:hiddenFill>
             </a:ext>
-            <a:ext uri="{91240B29-F687-4F45-9708-019B960494DF}">
+            <a:ext uri="{91240B29-F687-4f45-9708-019B960494DF}">
               <a14:hiddenLine xmlns:a14="http://schemas.microsoft.com/office/drawing/2010/main" w="9525">
                 <a:solidFill>
                   <a:srgbClr val="000000"/>
@@ -3159,14 +3160,14 @@
             <a:noFill/>
           </a:ln>
           <a:extLst>
-            <a:ext uri="{909E8E84-426E-40DD-AFC4-6F175D3DCCD1}">
+            <a:ext uri="{909E8E84-426E-40dd-AFC4-6F175D3DCCD1}">
               <a14:hiddenFill xmlns:a14="http://schemas.microsoft.com/office/drawing/2010/main">
                 <a:solidFill>
                   <a:srgbClr val="FFFFFF"/>
                 </a:solidFill>
               </a14:hiddenFill>
             </a:ext>
-            <a:ext uri="{91240B29-F687-4F45-9708-019B960494DF}">
+            <a:ext uri="{91240B29-F687-4f45-9708-019B960494DF}">
               <a14:hiddenLine xmlns:a14="http://schemas.microsoft.com/office/drawing/2010/main" w="9525">
                 <a:solidFill>
                   <a:srgbClr val="000000"/>
@@ -3213,14 +3214,14 @@
             <a:noFill/>
           </a:ln>
           <a:extLst>
-            <a:ext uri="{909E8E84-426E-40DD-AFC4-6F175D3DCCD1}">
+            <a:ext uri="{909E8E84-426E-40dd-AFC4-6F175D3DCCD1}">
               <a14:hiddenFill xmlns:a14="http://schemas.microsoft.com/office/drawing/2010/main">
                 <a:solidFill>
                   <a:srgbClr val="FFFFFF"/>
                 </a:solidFill>
               </a14:hiddenFill>
             </a:ext>
-            <a:ext uri="{91240B29-F687-4F45-9708-019B960494DF}">
+            <a:ext uri="{91240B29-F687-4f45-9708-019B960494DF}">
               <a14:hiddenLine xmlns:a14="http://schemas.microsoft.com/office/drawing/2010/main" w="9525">
                 <a:solidFill>
                   <a:srgbClr val="000000"/>
@@ -3267,14 +3268,14 @@
             <a:noFill/>
           </a:ln>
           <a:extLst>
-            <a:ext uri="{909E8E84-426E-40DD-AFC4-6F175D3DCCD1}">
+            <a:ext uri="{909E8E84-426E-40dd-AFC4-6F175D3DCCD1}">
               <a14:hiddenFill xmlns:a14="http://schemas.microsoft.com/office/drawing/2010/main">
                 <a:solidFill>
                   <a:srgbClr val="FFFFFF"/>
                 </a:solidFill>
               </a14:hiddenFill>
             </a:ext>
-            <a:ext uri="{91240B29-F687-4F45-9708-019B960494DF}">
+            <a:ext uri="{91240B29-F687-4f45-9708-019B960494DF}">
               <a14:hiddenLine xmlns:a14="http://schemas.microsoft.com/office/drawing/2010/main" w="9525">
                 <a:solidFill>
                   <a:srgbClr val="000000"/>
@@ -3321,14 +3322,14 @@
             <a:noFill/>
           </a:ln>
           <a:extLst>
-            <a:ext uri="{909E8E84-426E-40DD-AFC4-6F175D3DCCD1}">
+            <a:ext uri="{909E8E84-426E-40dd-AFC4-6F175D3DCCD1}">
               <a14:hiddenFill xmlns:a14="http://schemas.microsoft.com/office/drawing/2010/main">
                 <a:solidFill>
                   <a:srgbClr val="FFFFFF"/>
                 </a:solidFill>
               </a14:hiddenFill>
             </a:ext>
-            <a:ext uri="{91240B29-F687-4F45-9708-019B960494DF}">
+            <a:ext uri="{91240B29-F687-4f45-9708-019B960494DF}">
               <a14:hiddenLine xmlns:a14="http://schemas.microsoft.com/office/drawing/2010/main" w="9525">
                 <a:solidFill>
                   <a:srgbClr val="000000"/>
@@ -3533,14 +3534,14 @@
             <a:noFill/>
           </a:ln>
           <a:extLst>
-            <a:ext uri="{909E8E84-426E-40DD-AFC4-6F175D3DCCD1}">
+            <a:ext uri="{909E8E84-426E-40dd-AFC4-6F175D3DCCD1}">
               <a14:hiddenFill xmlns:a14="http://schemas.microsoft.com/office/drawing/2010/main">
                 <a:solidFill>
                   <a:srgbClr val="FFFFFF"/>
                 </a:solidFill>
               </a14:hiddenFill>
             </a:ext>
-            <a:ext uri="{91240B29-F687-4F45-9708-019B960494DF}">
+            <a:ext uri="{91240B29-F687-4f45-9708-019B960494DF}">
               <a14:hiddenLine xmlns:a14="http://schemas.microsoft.com/office/drawing/2010/main" w="9525">
                 <a:solidFill>
                   <a:srgbClr val="000000"/>
@@ -3587,14 +3588,14 @@
             <a:noFill/>
           </a:ln>
           <a:extLst>
-            <a:ext uri="{909E8E84-426E-40DD-AFC4-6F175D3DCCD1}">
+            <a:ext uri="{909E8E84-426E-40dd-AFC4-6F175D3DCCD1}">
               <a14:hiddenFill xmlns:a14="http://schemas.microsoft.com/office/drawing/2010/main">
                 <a:solidFill>
                   <a:srgbClr val="FFFFFF"/>
                 </a:solidFill>
               </a14:hiddenFill>
             </a:ext>
-            <a:ext uri="{91240B29-F687-4F45-9708-019B960494DF}">
+            <a:ext uri="{91240B29-F687-4f45-9708-019B960494DF}">
               <a14:hiddenLine xmlns:a14="http://schemas.microsoft.com/office/drawing/2010/main" w="9525">
                 <a:solidFill>
                   <a:srgbClr val="000000"/>
@@ -5107,7 +5108,7 @@
   <p:clrMapOvr>
     <a:masterClrMapping/>
   </p:clrMapOvr>
-  <p:transition/>
+  <p:transition xmlns:p14="http://schemas.microsoft.com/office/powerpoint/2010/main"/>
 </p:sldLayout>
 </file>
 
@@ -5625,7 +5626,7 @@
   <p:clrMapOvr>
     <a:masterClrMapping/>
   </p:clrMapOvr>
-  <p:transition/>
+  <p:transition xmlns:p14="http://schemas.microsoft.com/office/powerpoint/2010/main"/>
 </p:sldLayout>
 </file>
 
@@ -6154,7 +6155,7 @@
   <p:clrMapOvr>
     <a:masterClrMapping/>
   </p:clrMapOvr>
-  <p:transition/>
+  <p:transition xmlns:p14="http://schemas.microsoft.com/office/powerpoint/2010/main"/>
 </p:sldLayout>
 </file>
 
@@ -7990,7 +7991,7 @@
   <p:clrMapOvr>
     <a:masterClrMapping/>
   </p:clrMapOvr>
-  <p:transition/>
+  <p:transition xmlns:p14="http://schemas.microsoft.com/office/powerpoint/2010/main"/>
 </p:sldLayout>
 </file>
 
@@ -8690,7 +8691,7 @@
   <p:clrMapOvr>
     <a:masterClrMapping/>
   </p:clrMapOvr>
-  <p:transition/>
+  <p:transition xmlns:p14="http://schemas.microsoft.com/office/powerpoint/2010/main"/>
 </p:sldLayout>
 </file>
 
@@ -9410,14 +9411,14 @@
             <a:noFill/>
           </a:ln>
           <a:extLst>
-            <a:ext uri="{909E8E84-426E-40DD-AFC4-6F175D3DCCD1}">
+            <a:ext uri="{909E8E84-426E-40dd-AFC4-6F175D3DCCD1}">
               <a14:hiddenFill xmlns:a14="http://schemas.microsoft.com/office/drawing/2010/main">
                 <a:solidFill>
                   <a:srgbClr val="FFFFFF"/>
                 </a:solidFill>
               </a14:hiddenFill>
             </a:ext>
-            <a:ext uri="{91240B29-F687-4F45-9708-019B960494DF}">
+            <a:ext uri="{91240B29-F687-4f45-9708-019B960494DF}">
               <a14:hiddenLine xmlns:a14="http://schemas.microsoft.com/office/drawing/2010/main" w="9525">
                 <a:solidFill>
                   <a:srgbClr val="000000"/>
@@ -10603,14 +10604,14 @@
             <a:noFill/>
           </a:ln>
           <a:extLst>
-            <a:ext uri="{909E8E84-426E-40DD-AFC4-6F175D3DCCD1}">
+            <a:ext uri="{909E8E84-426E-40dd-AFC4-6F175D3DCCD1}">
               <a14:hiddenFill xmlns:a14="http://schemas.microsoft.com/office/drawing/2010/main">
                 <a:solidFill>
                   <a:srgbClr val="FFFFFF"/>
                 </a:solidFill>
               </a14:hiddenFill>
             </a:ext>
-            <a:ext uri="{91240B29-F687-4F45-9708-019B960494DF}">
+            <a:ext uri="{91240B29-F687-4f45-9708-019B960494DF}">
               <a14:hiddenLine xmlns:a14="http://schemas.microsoft.com/office/drawing/2010/main" w="9525">
                 <a:solidFill>
                   <a:srgbClr val="000000"/>
@@ -11167,14 +11168,14 @@
             <a:noFill/>
           </a:ln>
           <a:extLst>
-            <a:ext uri="{909E8E84-426E-40DD-AFC4-6F175D3DCCD1}">
+            <a:ext uri="{909E8E84-426E-40dd-AFC4-6F175D3DCCD1}">
               <a14:hiddenFill xmlns:a14="http://schemas.microsoft.com/office/drawing/2010/main">
                 <a:solidFill>
                   <a:srgbClr val="FFFFFF"/>
                 </a:solidFill>
               </a14:hiddenFill>
             </a:ext>
-            <a:ext uri="{91240B29-F687-4F45-9708-019B960494DF}">
+            <a:ext uri="{91240B29-F687-4f45-9708-019B960494DF}">
               <a14:hiddenLine xmlns:a14="http://schemas.microsoft.com/office/drawing/2010/main" w="9525">
                 <a:solidFill>
                   <a:srgbClr val="000000"/>
@@ -11856,14 +11857,14 @@
             <a:noFill/>
           </a:ln>
           <a:extLst>
-            <a:ext uri="{909E8E84-426E-40DD-AFC4-6F175D3DCCD1}">
+            <a:ext uri="{909E8E84-426E-40dd-AFC4-6F175D3DCCD1}">
               <a14:hiddenFill xmlns:a14="http://schemas.microsoft.com/office/drawing/2010/main">
                 <a:solidFill>
                   <a:srgbClr val="FFFFFF"/>
                 </a:solidFill>
               </a14:hiddenFill>
             </a:ext>
-            <a:ext uri="{91240B29-F687-4F45-9708-019B960494DF}">
+            <a:ext uri="{91240B29-F687-4f45-9708-019B960494DF}">
               <a14:hiddenLine xmlns:a14="http://schemas.microsoft.com/office/drawing/2010/main" w="9525">
                 <a:solidFill>
                   <a:srgbClr val="000000"/>
@@ -13429,7 +13430,7 @@
   <p:clrMapOvr>
     <a:masterClrMapping/>
   </p:clrMapOvr>
-  <p:transition/>
+  <p:transition xmlns:p14="http://schemas.microsoft.com/office/powerpoint/2010/main"/>
 </p:sldLayout>
 </file>
 
@@ -14064,7 +14065,7 @@
   <p:clrMapOvr>
     <a:masterClrMapping/>
   </p:clrMapOvr>
-  <p:transition/>
+  <p:transition xmlns:p14="http://schemas.microsoft.com/office/powerpoint/2010/main"/>
 </p:sldLayout>
 </file>
 
@@ -14699,7 +14700,7 @@
   <p:clrMapOvr>
     <a:masterClrMapping/>
   </p:clrMapOvr>
-  <p:transition/>
+  <p:transition xmlns:p14="http://schemas.microsoft.com/office/powerpoint/2010/main"/>
 </p:sldLayout>
 </file>
 
@@ -14799,7 +14800,7 @@
   <p:timing>
     <p:tnLst>
       <p:par>
-        <p:cTn id="1" dur="indefinite" restart="never" nodeType="tmRoot"/>
+        <p:cTn xmlns:p14="http://schemas.microsoft.com/office/powerpoint/2010/main" id="1" dur="indefinite" restart="never" nodeType="tmRoot"/>
       </p:par>
     </p:tnLst>
   </p:timing>
@@ -15286,14 +15287,14 @@
           </a:xfrm>
           <a:noFill/>
           <a:extLst>
-            <a:ext uri="{909E8E84-426E-40DD-AFC4-6F175D3DCCD1}">
+            <a:ext uri="{909E8E84-426E-40dd-AFC4-6F175D3DCCD1}">
               <a14:hiddenFill xmlns:a14="http://schemas.microsoft.com/office/drawing/2010/main">
                 <a:solidFill>
                   <a:srgbClr val="FFFFFF"/>
                 </a:solidFill>
               </a14:hiddenFill>
             </a:ext>
-            <a:ext uri="{91240B29-F687-4F45-9708-019B960494DF}">
+            <a:ext uri="{91240B29-F687-4f45-9708-019B960494DF}">
               <a14:hiddenLine xmlns:a14="http://schemas.microsoft.com/office/drawing/2010/main" w="9525">
                 <a:solidFill>
                   <a:srgbClr val="000000"/>
@@ -15401,14 +15402,14 @@
           </a:xfrm>
           <a:noFill/>
           <a:extLst>
-            <a:ext uri="{909E8E84-426E-40DD-AFC4-6F175D3DCCD1}">
+            <a:ext uri="{909E8E84-426E-40dd-AFC4-6F175D3DCCD1}">
               <a14:hiddenFill xmlns:a14="http://schemas.microsoft.com/office/drawing/2010/main">
                 <a:solidFill>
                   <a:srgbClr val="FFFFFF"/>
                 </a:solidFill>
               </a14:hiddenFill>
             </a:ext>
-            <a:ext uri="{91240B29-F687-4F45-9708-019B960494DF}">
+            <a:ext uri="{91240B29-F687-4f45-9708-019B960494DF}">
               <a14:hiddenLine xmlns:a14="http://schemas.microsoft.com/office/drawing/2010/main" w="9525">
                 <a:solidFill>
                   <a:srgbClr val="000000"/>
@@ -15523,14 +15524,14 @@
             <a:noFill/>
           </a:ln>
           <a:extLst>
-            <a:ext uri="{909E8E84-426E-40DD-AFC4-6F175D3DCCD1}">
+            <a:ext uri="{909E8E84-426E-40dd-AFC4-6F175D3DCCD1}">
               <a14:hiddenFill xmlns:a14="http://schemas.microsoft.com/office/drawing/2010/main">
                 <a:solidFill>
                   <a:srgbClr val="FFFFFF"/>
                 </a:solidFill>
               </a14:hiddenFill>
             </a:ext>
-            <a:ext uri="{91240B29-F687-4F45-9708-019B960494DF}">
+            <a:ext uri="{91240B29-F687-4f45-9708-019B960494DF}">
               <a14:hiddenLine xmlns:a14="http://schemas.microsoft.com/office/drawing/2010/main" w="9525">
                 <a:solidFill>
                   <a:srgbClr val="000000"/>
@@ -15747,14 +15748,14 @@
             <a:noFill/>
           </a:ln>
           <a:extLst>
-            <a:ext uri="{909E8E84-426E-40DD-AFC4-6F175D3DCCD1}">
+            <a:ext uri="{909E8E84-426E-40dd-AFC4-6F175D3DCCD1}">
               <a14:hiddenFill xmlns:a14="http://schemas.microsoft.com/office/drawing/2010/main">
                 <a:solidFill>
                   <a:srgbClr val="FFFFFF"/>
                 </a:solidFill>
               </a14:hiddenFill>
             </a:ext>
-            <a:ext uri="{91240B29-F687-4F45-9708-019B960494DF}">
+            <a:ext uri="{91240B29-F687-4f45-9708-019B960494DF}">
               <a14:hiddenLine xmlns:a14="http://schemas.microsoft.com/office/drawing/2010/main" w="9525">
                 <a:solidFill>
                   <a:srgbClr val="000000"/>
@@ -15880,13 +15881,13 @@
           <a:p>
             <a:pPr eaLnBrk="1" hangingPunct="1"/>
             <a:r>
-              <a:rPr lang="zh-Hant" altLang="en-US" sz="1800" b="1" dirty="0">
+              <a:rPr lang="zh-CHT" altLang="en-US" sz="1800" b="1" dirty="0">
                 <a:latin typeface="Century Gothic" panose="020B0502020202020204" pitchFamily="34" charset="0"/>
                 <a:ea typeface="標楷體" panose="03000509000000000000" pitchFamily="65" charset="-120"/>
               </a:rPr>
               <a:t>吾生也有涯，而知也無涯。</a:t>
             </a:r>
-            <a:endParaRPr lang="en-US" altLang="zh-Hant" sz="1800" b="1" dirty="0">
+            <a:endParaRPr lang="en-US" altLang="zh-CHT" sz="1800" b="1" dirty="0">
               <a:latin typeface="Century Gothic" panose="020B0502020202020204" pitchFamily="34" charset="0"/>
               <a:ea typeface="標楷體" panose="03000509000000000000" pitchFamily="65" charset="-120"/>
             </a:endParaRPr>
@@ -15894,13 +15895,13 @@
           <a:p>
             <a:pPr eaLnBrk="1" hangingPunct="1"/>
             <a:r>
-              <a:rPr lang="zh-Hant" altLang="en-US" sz="1800" b="1" dirty="0">
+              <a:rPr lang="zh-CHT" altLang="en-US" sz="1800" b="1" dirty="0">
                 <a:latin typeface="Century Gothic" panose="020B0502020202020204" pitchFamily="34" charset="0"/>
                 <a:ea typeface="標楷體" panose="03000509000000000000" pitchFamily="65" charset="-120"/>
               </a:rPr>
               <a:t>以有涯隨無涯，殆已！</a:t>
             </a:r>
-            <a:endParaRPr lang="en-US" altLang="zh-Hant" sz="1800" b="1" dirty="0">
+            <a:endParaRPr lang="en-US" altLang="zh-CHT" sz="1800" b="1" dirty="0">
               <a:latin typeface="Century Gothic" panose="020B0502020202020204" pitchFamily="34" charset="0"/>
               <a:ea typeface="標楷體" panose="03000509000000000000" pitchFamily="65" charset="-120"/>
             </a:endParaRPr>
@@ -15908,7 +15909,7 @@
           <a:p>
             <a:pPr eaLnBrk="1" hangingPunct="1"/>
             <a:r>
-              <a:rPr lang="zh-Hant" altLang="en-US" sz="1800" b="1" dirty="0">
+              <a:rPr lang="zh-CHT" altLang="en-US" sz="1800" b="1" dirty="0">
                 <a:latin typeface="Century Gothic" panose="020B0502020202020204" pitchFamily="34" charset="0"/>
                 <a:ea typeface="標楷體" panose="03000509000000000000" pitchFamily="65" charset="-120"/>
               </a:rPr>
@@ -15929,7 +15930,7 @@
   <p:timing>
     <p:tnLst>
       <p:par>
-        <p:cTn id="1" dur="indefinite" restart="never" nodeType="tmRoot"/>
+        <p:cTn xmlns:p14="http://schemas.microsoft.com/office/powerpoint/2010/main" id="1" dur="indefinite" restart="never" nodeType="tmRoot"/>
       </p:par>
     </p:tnLst>
   </p:timing>
@@ -16010,14 +16011,14 @@
               </a:lnSpc>
             </a:pPr>
             <a:r>
-              <a:rPr lang="zh-Hant" altLang="en-US" dirty="0"/>
+              <a:rPr lang="zh-CHT" altLang="en-US" dirty="0"/>
               <a:t>「一個好的工程師學寫程式並不是為了賺錢或是贏得大家的關注，只因為這真的很有趣！</a:t>
             </a:r>
             <a:r>
-              <a:rPr lang="zh-Hant" altLang="en-US" dirty="0" smtClean="0"/>
+              <a:rPr lang="zh-CHT" altLang="en-US" dirty="0" smtClean="0"/>
               <a:t>」</a:t>
             </a:r>
-            <a:endParaRPr lang="en-US" altLang="zh-Hant" dirty="0" smtClean="0"/>
+            <a:endParaRPr lang="en-US" altLang="zh-CHT" dirty="0" smtClean="0"/>
           </a:p>
           <a:p>
             <a:pPr marL="360362" lvl="1" indent="0" algn="r">
@@ -16027,30 +16028,30 @@
               <a:buNone/>
             </a:pPr>
             <a:r>
-              <a:rPr lang="en-US" altLang="zh-Hant" dirty="0" smtClean="0"/>
+              <a:rPr lang="en-US" altLang="zh-CHT" dirty="0" smtClean="0"/>
               <a:t>– </a:t>
             </a:r>
             <a:r>
-              <a:rPr lang="en-US" altLang="zh-Hant" dirty="0"/>
+              <a:rPr lang="en-US" altLang="zh-CHT" dirty="0"/>
               <a:t>Linus Torvalds </a:t>
             </a:r>
             <a:r>
-              <a:rPr lang="zh-Hant" altLang="en-US" dirty="0"/>
+              <a:rPr lang="zh-CHT" altLang="en-US" dirty="0"/>
               <a:t>（</a:t>
             </a:r>
             <a:r>
-              <a:rPr lang="en-US" altLang="zh-Hant" dirty="0"/>
+              <a:rPr lang="en-US" altLang="zh-CHT" dirty="0"/>
               <a:t>Linux </a:t>
             </a:r>
             <a:r>
-              <a:rPr lang="zh-Hant" altLang="en-US" dirty="0"/>
+              <a:rPr lang="zh-CHT" altLang="en-US" dirty="0"/>
               <a:t>的創辦人</a:t>
             </a:r>
             <a:r>
-              <a:rPr lang="zh-Hant" altLang="en-US" dirty="0" smtClean="0"/>
+              <a:rPr lang="zh-CHT" altLang="en-US" dirty="0" smtClean="0"/>
               <a:t>）</a:t>
             </a:r>
-            <a:endParaRPr lang="en-US" altLang="zh-Hant" dirty="0" smtClean="0"/>
+            <a:endParaRPr lang="en-US" altLang="zh-CHT" dirty="0" smtClean="0"/>
           </a:p>
           <a:p>
             <a:pPr>
@@ -16066,7 +16067,7 @@
               <a:rPr lang="en-US" altLang="zh-TW" dirty="0" smtClean="0"/>
               <a:t>-$$$$$.</a:t>
             </a:r>
-            <a:endParaRPr lang="zh-Hant" altLang="en-US" dirty="0"/>
+            <a:endParaRPr lang="zh-CHT" altLang="en-US" dirty="0"/>
           </a:p>
         </p:txBody>
       </p:sp>
@@ -16155,7 +16156,31 @@
           <a:p>
             <a:r>
               <a:rPr lang="en-US" altLang="zh-TW" dirty="0" smtClean="0"/>
-              <a:t>architecture</a:t>
+              <a:t>Full</a:t>
+            </a:r>
+            <a:r>
+              <a:rPr lang="zh-TW" altLang="en-US" dirty="0" smtClean="0"/>
+              <a:t> </a:t>
+            </a:r>
+            <a:r>
+              <a:rPr lang="en-US" altLang="zh-TW" dirty="0" smtClean="0"/>
+              <a:t>Stack</a:t>
+            </a:r>
+            <a:r>
+              <a:rPr lang="zh-TW" altLang="en-US" dirty="0" smtClean="0"/>
+              <a:t> </a:t>
+            </a:r>
+            <a:r>
+              <a:rPr lang="en-US" altLang="zh-TW" dirty="0" smtClean="0"/>
+              <a:t>Web</a:t>
+            </a:r>
+            <a:r>
+              <a:rPr lang="zh-TW" altLang="en-US" dirty="0" smtClean="0"/>
+              <a:t> </a:t>
+            </a:r>
+            <a:r>
+              <a:rPr lang="en-US" altLang="zh-TW" dirty="0" smtClean="0"/>
+              <a:t>Application</a:t>
             </a:r>
             <a:endParaRPr lang="zh-TW" altLang="en-US" dirty="0"/>
           </a:p>
@@ -16163,7 +16188,7 @@
       </p:sp>
       <p:sp>
         <p:nvSpPr>
-          <p:cNvPr id="7" name="內容版面配置區 6"/>
+          <p:cNvPr id="2" name="Content Placeholder 1"/>
           <p:cNvSpPr>
             <a:spLocks noGrp="1"/>
           </p:cNvSpPr>
@@ -16176,7 +16201,7 @@
           <a:bodyPr/>
           <a:lstStyle/>
           <a:p>
-            <a:endParaRPr lang="zh-TW" altLang="en-US"/>
+            <a:endParaRPr lang="en-US"/>
           </a:p>
         </p:txBody>
       </p:sp>
@@ -16212,6 +16237,74 @@
       </p:grpSpPr>
       <p:sp>
         <p:nvSpPr>
+          <p:cNvPr id="4" name="Title 3"/>
+          <p:cNvSpPr>
+            <a:spLocks noGrp="1"/>
+          </p:cNvSpPr>
+          <p:nvPr>
+            <p:ph type="title"/>
+          </p:nvPr>
+        </p:nvSpPr>
+        <p:spPr/>
+        <p:txBody>
+          <a:bodyPr/>
+          <a:lstStyle/>
+          <a:p>
+            <a:endParaRPr lang="en-US"/>
+          </a:p>
+        </p:txBody>
+      </p:sp>
+      <p:sp>
+        <p:nvSpPr>
+          <p:cNvPr id="5" name="Content Placeholder 4"/>
+          <p:cNvSpPr>
+            <a:spLocks noGrp="1"/>
+          </p:cNvSpPr>
+          <p:nvPr>
+            <p:ph idx="1"/>
+          </p:nvPr>
+        </p:nvSpPr>
+        <p:spPr/>
+        <p:txBody>
+          <a:bodyPr/>
+          <a:lstStyle/>
+          <a:p>
+            <a:endParaRPr lang="en-US"/>
+          </a:p>
+        </p:txBody>
+      </p:sp>
+    </p:spTree>
+    <p:extLst>
+      <p:ext uri="{BB962C8B-B14F-4D97-AF65-F5344CB8AC3E}">
+        <p14:creationId xmlns:p14="http://schemas.microsoft.com/office/powerpoint/2010/main" val="3372509299"/>
+      </p:ext>
+    </p:extLst>
+  </p:cSld>
+  <p:clrMapOvr>
+    <a:masterClrMapping/>
+  </p:clrMapOvr>
+</p:sld>
+</file>
+
+<file path=ppt/slides/slide5.xml><?xml version="1.0" encoding="utf-8"?>
+<p:sld xmlns:a="http://schemas.openxmlformats.org/drawingml/2006/main" xmlns:r="http://schemas.openxmlformats.org/officeDocument/2006/relationships" xmlns:p="http://schemas.openxmlformats.org/presentationml/2006/main">
+  <p:cSld>
+    <p:spTree>
+      <p:nvGrpSpPr>
+        <p:cNvPr id="1" name=""/>
+        <p:cNvGrpSpPr/>
+        <p:nvPr/>
+      </p:nvGrpSpPr>
+      <p:grpSpPr>
+        <a:xfrm>
+          <a:off x="0" y="0"/>
+          <a:ext cx="0" cy="0"/>
+          <a:chOff x="0" y="0"/>
+          <a:chExt cx="0" cy="0"/>
+        </a:xfrm>
+      </p:grpSpPr>
+      <p:sp>
+        <p:nvSpPr>
           <p:cNvPr id="17409" name="投影片編號版面配置區 1"/>
           <p:cNvSpPr>
             <a:spLocks noGrp="1"/>
@@ -16227,14 +16320,14 @@
           </a:xfrm>
           <a:noFill/>
           <a:extLst>
-            <a:ext uri="{909E8E84-426E-40DD-AFC4-6F175D3DCCD1}">
+            <a:ext uri="{909E8E84-426E-40dd-AFC4-6F175D3DCCD1}">
               <a14:hiddenFill xmlns:a14="http://schemas.microsoft.com/office/drawing/2010/main">
                 <a:solidFill>
                   <a:srgbClr val="FFFFFF"/>
                 </a:solidFill>
               </a14:hiddenFill>
             </a:ext>
-            <a:ext uri="{91240B29-F687-4F45-9708-019B960494DF}">
+            <a:ext uri="{91240B29-F687-4f45-9708-019B960494DF}">
               <a14:hiddenLine xmlns:a14="http://schemas.microsoft.com/office/drawing/2010/main" w="9525">
                 <a:solidFill>
                   <a:srgbClr val="000000"/>
@@ -16365,7 +16458,7 @@
                 <a:ea typeface="微軟正黑體" pitchFamily="34" charset="-120"/>
               </a:rPr>
               <a:pPr eaLnBrk="1" hangingPunct="1"/>
-              <a:t>4</a:t>
+              <a:t>5</a:t>
             </a:fld>
             <a:endParaRPr lang="en-US" altLang="zh-TW" sz="1100">
               <a:solidFill>
@@ -16553,18 +16646,18 @@
   <p:clrMapOvr>
     <a:masterClrMapping/>
   </p:clrMapOvr>
-  <p:transition/>
+  <p:transition xmlns:p14="http://schemas.microsoft.com/office/powerpoint/2010/main"/>
   <p:timing>
     <p:tnLst>
       <p:par>
-        <p:cTn id="1" dur="indefinite" restart="never" nodeType="tmRoot"/>
+        <p:cTn xmlns:p14="http://schemas.microsoft.com/office/powerpoint/2010/main" id="1" dur="indefinite" restart="never" nodeType="tmRoot"/>
       </p:par>
     </p:tnLst>
   </p:timing>
 </p:sld>
 </file>
 
-<file path=ppt/slides/slide5.xml><?xml version="1.0" encoding="utf-8"?>
+<file path=ppt/slides/slide6.xml><?xml version="1.0" encoding="utf-8"?>
 <p:sld xmlns:a="http://schemas.openxmlformats.org/drawingml/2006/main" xmlns:r="http://schemas.openxmlformats.org/officeDocument/2006/relationships" xmlns:p="http://schemas.openxmlformats.org/presentationml/2006/main">
   <p:cSld>
     <p:spTree>
@@ -22707,7 +22800,7 @@
 </p:sld>
 </file>
 
-<file path=ppt/slides/slide6.xml><?xml version="1.0" encoding="utf-8"?>
+<file path=ppt/slides/slide7.xml><?xml version="1.0" encoding="utf-8"?>
 <p:sld xmlns:a="http://schemas.openxmlformats.org/drawingml/2006/main" xmlns:r="http://schemas.openxmlformats.org/officeDocument/2006/relationships" xmlns:p="http://schemas.openxmlformats.org/presentationml/2006/main">
   <p:cSld>
     <p:spTree>
@@ -22750,7 +22843,7 @@
             <a:fld id="{2083473D-6E70-405D-9B67-5274B717AA3D}" type="slidenum">
               <a:rPr lang="en-US" altLang="zh-TW"/>
               <a:pPr/>
-              <a:t>6</a:t>
+              <a:t>7</a:t>
             </a:fld>
             <a:endParaRPr lang="en-US" altLang="zh-TW"/>
           </a:p>
@@ -22813,7 +22906,7 @@
           </a:ln>
           <a:effectLst/>
           <a:extLst>
-            <a:ext uri="{AF507438-7753-43E0-B8FC-AC1667EBCBE1}">
+            <a:ext uri="{AF507438-7753-43e0-B8FC-AC1667EBCBE1}">
               <a14:hiddenEffects xmlns:a14="http://schemas.microsoft.com/office/drawing/2010/main">
                 <a:effectLst>
                   <a:outerShdw dist="35921" dir="2700000" algn="ctr" rotWithShape="0">
@@ -22905,7 +22998,7 @@
               </a:ln>
               <a:effectLst/>
               <a:extLst>
-                <a:ext uri="{AF507438-7753-43E0-B8FC-AC1667EBCBE1}">
+                <a:ext uri="{AF507438-7753-43e0-B8FC-AC1667EBCBE1}">
                   <a14:hiddenEffects xmlns:a14="http://schemas.microsoft.com/office/drawing/2010/main">
                     <a:effectLst>
                       <a:outerShdw dist="35921" dir="2700000" algn="ctr" rotWithShape="0">
@@ -22946,14 +23039,14 @@
               </a:ln>
               <a:effectLst/>
               <a:extLst>
-                <a:ext uri="{909E8E84-426E-40DD-AFC4-6F175D3DCCD1}">
+                <a:ext uri="{909E8E84-426E-40dd-AFC4-6F175D3DCCD1}">
                   <a14:hiddenFill xmlns:a14="http://schemas.microsoft.com/office/drawing/2010/main">
                     <a:solidFill>
                       <a:srgbClr val="CC6600"/>
                     </a:solidFill>
                   </a14:hiddenFill>
                 </a:ext>
-                <a:ext uri="{91240B29-F687-4F45-9708-019B960494DF}">
+                <a:ext uri="{91240B29-F687-4f45-9708-019B960494DF}">
                   <a14:hiddenLine xmlns:a14="http://schemas.microsoft.com/office/drawing/2010/main" w="9525">
                     <a:solidFill>
                       <a:schemeClr val="tx1"/>
@@ -22963,7 +23056,7 @@
                     <a:tailEnd/>
                   </a14:hiddenLine>
                 </a:ext>
-                <a:ext uri="{AF507438-7753-43E0-B8FC-AC1667EBCBE1}">
+                <a:ext uri="{AF507438-7753-43e0-B8FC-AC1667EBCBE1}">
                   <a14:hiddenEffects xmlns:a14="http://schemas.microsoft.com/office/drawing/2010/main">
                     <a:effectLst>
                       <a:outerShdw dist="35921" dir="2700000" algn="ctr" rotWithShape="0">
@@ -23035,14 +23128,14 @@
               <a:noFill/>
             </a:ln>
             <a:extLst>
-              <a:ext uri="{909E8E84-426E-40DD-AFC4-6F175D3DCCD1}">
+              <a:ext uri="{909E8E84-426E-40dd-AFC4-6F175D3DCCD1}">
                 <a14:hiddenFill xmlns:a14="http://schemas.microsoft.com/office/drawing/2010/main">
                   <a:solidFill>
                     <a:srgbClr val="FFFFFF"/>
                   </a:solidFill>
                 </a14:hiddenFill>
               </a:ext>
-              <a:ext uri="{91240B29-F687-4F45-9708-019B960494DF}">
+              <a:ext uri="{91240B29-F687-4f45-9708-019B960494DF}">
                 <a14:hiddenLine xmlns:a14="http://schemas.microsoft.com/office/drawing/2010/main" w="9525">
                   <a:solidFill>
                     <a:srgbClr val="000000"/>
@@ -23119,7 +23212,7 @@
               </a:ln>
               <a:effectLst/>
               <a:extLst>
-                <a:ext uri="{AF507438-7753-43E0-B8FC-AC1667EBCBE1}">
+                <a:ext uri="{AF507438-7753-43e0-B8FC-AC1667EBCBE1}">
                   <a14:hiddenEffects xmlns:a14="http://schemas.microsoft.com/office/drawing/2010/main">
                     <a:effectLst>
                       <a:outerShdw dist="35921" dir="2700000" algn="ctr" rotWithShape="0">
@@ -23160,14 +23253,14 @@
               </a:ln>
               <a:effectLst/>
               <a:extLst>
-                <a:ext uri="{909E8E84-426E-40DD-AFC4-6F175D3DCCD1}">
+                <a:ext uri="{909E8E84-426E-40dd-AFC4-6F175D3DCCD1}">
                   <a14:hiddenFill xmlns:a14="http://schemas.microsoft.com/office/drawing/2010/main">
                     <a:solidFill>
                       <a:schemeClr val="accent1"/>
                     </a:solidFill>
                   </a14:hiddenFill>
                 </a:ext>
-                <a:ext uri="{91240B29-F687-4F45-9708-019B960494DF}">
+                <a:ext uri="{91240B29-F687-4f45-9708-019B960494DF}">
                   <a14:hiddenLine xmlns:a14="http://schemas.microsoft.com/office/drawing/2010/main" w="9525">
                     <a:solidFill>
                       <a:schemeClr val="tx1"/>
@@ -23177,7 +23270,7 @@
                     <a:tailEnd/>
                   </a14:hiddenLine>
                 </a:ext>
-                <a:ext uri="{AF507438-7753-43E0-B8FC-AC1667EBCBE1}">
+                <a:ext uri="{AF507438-7753-43e0-B8FC-AC1667EBCBE1}">
                   <a14:hiddenEffects xmlns:a14="http://schemas.microsoft.com/office/drawing/2010/main">
                     <a:effectLst>
                       <a:outerShdw dist="35921" dir="2700000" algn="ctr" rotWithShape="0">
@@ -23263,14 +23356,14 @@
               <a:noFill/>
             </a:ln>
             <a:extLst>
-              <a:ext uri="{909E8E84-426E-40DD-AFC4-6F175D3DCCD1}">
+              <a:ext uri="{909E8E84-426E-40dd-AFC4-6F175D3DCCD1}">
                 <a14:hiddenFill xmlns:a14="http://schemas.microsoft.com/office/drawing/2010/main">
                   <a:solidFill>
                     <a:srgbClr val="FFFFFF"/>
                   </a:solidFill>
                 </a14:hiddenFill>
               </a:ext>
-              <a:ext uri="{91240B29-F687-4F45-9708-019B960494DF}">
+              <a:ext uri="{91240B29-F687-4f45-9708-019B960494DF}">
                 <a14:hiddenLine xmlns:a14="http://schemas.microsoft.com/office/drawing/2010/main" w="9525">
                   <a:solidFill>
                     <a:srgbClr val="000000"/>
@@ -23318,7 +23411,7 @@
             <a:graphicData uri="http://schemas.openxmlformats.org/presentationml/2006/ole">
               <mc:AlternateContent xmlns:mc="http://schemas.openxmlformats.org/markup-compatibility/2006">
                 <mc:Choice xmlns:v="urn:schemas-microsoft-com:vml" Requires="v">
-                  <p:oleObj spid="_x0000_s1032" name="Clip" r:id="rId6" imgW="2286000" imgH="4125600" progId="MS_ClipArt_Gallery.2">
+                  <p:oleObj spid="_x0000_s1037" name="Clip" r:id="rId6" imgW="2286000" imgH="4125600" progId="MS_ClipArt_Gallery.2">
                     <p:embed/>
                   </p:oleObj>
                 </mc:Choice>
@@ -23360,14 +23453,14 @@
                         </a:ln>
                         <a:effectLst/>
                         <a:extLst>
-                          <a:ext uri="{909E8E84-426E-40DD-AFC4-6F175D3DCCD1}">
+                          <a:ext uri="{909E8E84-426E-40dd-AFC4-6F175D3DCCD1}">
                             <a14:hiddenFill xmlns:a14="http://schemas.microsoft.com/office/drawing/2010/main">
                               <a:solidFill>
                                 <a:schemeClr val="accent1"/>
                               </a:solidFill>
                             </a14:hiddenFill>
                           </a:ext>
-                          <a:ext uri="{91240B29-F687-4F45-9708-019B960494DF}">
+                          <a:ext uri="{91240B29-F687-4f45-9708-019B960494DF}">
                             <a14:hiddenLine xmlns:a14="http://schemas.microsoft.com/office/drawing/2010/main" w="12700">
                               <a:solidFill>
                                 <a:schemeClr val="tx1"/>
@@ -23377,7 +23470,7 @@
                               <a:tailEnd/>
                             </a14:hiddenLine>
                           </a:ext>
-                          <a:ext uri="{AF507438-7753-43E0-B8FC-AC1667EBCBE1}">
+                          <a:ext uri="{AF507438-7753-43e0-B8FC-AC1667EBCBE1}">
                             <a14:hiddenEffects xmlns:a14="http://schemas.microsoft.com/office/drawing/2010/main">
                               <a:effectLst>
                                 <a:outerShdw dist="35921" dir="2700000" algn="ctr" rotWithShape="0">
@@ -23417,14 +23510,14 @@
             </a:ln>
             <a:effectLst/>
             <a:extLst>
-              <a:ext uri="{909E8E84-426E-40DD-AFC4-6F175D3DCCD1}">
+              <a:ext uri="{909E8E84-426E-40dd-AFC4-6F175D3DCCD1}">
                 <a14:hiddenFill xmlns:a14="http://schemas.microsoft.com/office/drawing/2010/main">
                   <a:solidFill>
                     <a:schemeClr val="accent1"/>
                   </a:solidFill>
                 </a14:hiddenFill>
               </a:ext>
-              <a:ext uri="{91240B29-F687-4F45-9708-019B960494DF}">
+              <a:ext uri="{91240B29-F687-4f45-9708-019B960494DF}">
                 <a14:hiddenLine xmlns:a14="http://schemas.microsoft.com/office/drawing/2010/main" w="12700">
                   <a:solidFill>
                     <a:schemeClr val="tx1"/>
@@ -23434,7 +23527,7 @@
                   <a:tailEnd/>
                 </a14:hiddenLine>
               </a:ext>
-              <a:ext uri="{AF507438-7753-43E0-B8FC-AC1667EBCBE1}">
+              <a:ext uri="{AF507438-7753-43e0-B8FC-AC1667EBCBE1}">
                 <a14:hiddenEffects xmlns:a14="http://schemas.microsoft.com/office/drawing/2010/main">
                   <a:effectLst>
                     <a:outerShdw dist="35921" dir="2700000" algn="ctr" rotWithShape="0">
@@ -23486,14 +23579,14 @@
             </a:ln>
             <a:effectLst/>
             <a:extLst>
-              <a:ext uri="{909E8E84-426E-40DD-AFC4-6F175D3DCCD1}">
+              <a:ext uri="{909E8E84-426E-40dd-AFC4-6F175D3DCCD1}">
                 <a14:hiddenFill xmlns:a14="http://schemas.microsoft.com/office/drawing/2010/main">
                   <a:solidFill>
                     <a:schemeClr val="accent1"/>
                   </a:solidFill>
                 </a14:hiddenFill>
               </a:ext>
-              <a:ext uri="{91240B29-F687-4F45-9708-019B960494DF}">
+              <a:ext uri="{91240B29-F687-4f45-9708-019B960494DF}">
                 <a14:hiddenLine xmlns:a14="http://schemas.microsoft.com/office/drawing/2010/main" w="12700">
                   <a:solidFill>
                     <a:schemeClr val="tx1"/>
@@ -23503,7 +23596,7 @@
                   <a:tailEnd/>
                 </a14:hiddenLine>
               </a:ext>
-              <a:ext uri="{AF507438-7753-43E0-B8FC-AC1667EBCBE1}">
+              <a:ext uri="{AF507438-7753-43e0-B8FC-AC1667EBCBE1}">
                 <a14:hiddenEffects xmlns:a14="http://schemas.microsoft.com/office/drawing/2010/main">
                   <a:effectLst>
                     <a:outerShdw dist="35921" dir="2700000" algn="ctr" rotWithShape="0">
@@ -23555,14 +23648,14 @@
             </a:ln>
             <a:effectLst/>
             <a:extLst>
-              <a:ext uri="{909E8E84-426E-40DD-AFC4-6F175D3DCCD1}">
+              <a:ext uri="{909E8E84-426E-40dd-AFC4-6F175D3DCCD1}">
                 <a14:hiddenFill xmlns:a14="http://schemas.microsoft.com/office/drawing/2010/main">
                   <a:solidFill>
                     <a:schemeClr val="accent1"/>
                   </a:solidFill>
                 </a14:hiddenFill>
               </a:ext>
-              <a:ext uri="{91240B29-F687-4F45-9708-019B960494DF}">
+              <a:ext uri="{91240B29-F687-4f45-9708-019B960494DF}">
                 <a14:hiddenLine xmlns:a14="http://schemas.microsoft.com/office/drawing/2010/main" w="12700">
                   <a:solidFill>
                     <a:schemeClr val="tx1"/>
@@ -23572,7 +23665,7 @@
                   <a:tailEnd/>
                 </a14:hiddenLine>
               </a:ext>
-              <a:ext uri="{AF507438-7753-43E0-B8FC-AC1667EBCBE1}">
+              <a:ext uri="{AF507438-7753-43e0-B8FC-AC1667EBCBE1}">
                 <a14:hiddenEffects xmlns:a14="http://schemas.microsoft.com/office/drawing/2010/main">
                   <a:effectLst>
                     <a:outerShdw dist="35921" dir="2700000" algn="ctr" rotWithShape="0">
@@ -23682,7 +23775,7 @@
                 </a:ln>
                 <a:effectLst/>
                 <a:extLst>
-                  <a:ext uri="{AF507438-7753-43E0-B8FC-AC1667EBCBE1}">
+                  <a:ext uri="{AF507438-7753-43e0-B8FC-AC1667EBCBE1}">
                     <a14:hiddenEffects xmlns:a14="http://schemas.microsoft.com/office/drawing/2010/main">
                       <a:effectLst>
                         <a:outerShdw dist="35921" dir="2700000" algn="ctr" rotWithShape="0">
@@ -23723,14 +23816,14 @@
                 </a:ln>
                 <a:effectLst/>
                 <a:extLst>
-                  <a:ext uri="{909E8E84-426E-40DD-AFC4-6F175D3DCCD1}">
+                  <a:ext uri="{909E8E84-426E-40dd-AFC4-6F175D3DCCD1}">
                     <a14:hiddenFill xmlns:a14="http://schemas.microsoft.com/office/drawing/2010/main">
                       <a:solidFill>
                         <a:schemeClr val="accent1"/>
                       </a:solidFill>
                     </a14:hiddenFill>
                   </a:ext>
-                  <a:ext uri="{91240B29-F687-4F45-9708-019B960494DF}">
+                  <a:ext uri="{91240B29-F687-4f45-9708-019B960494DF}">
                     <a14:hiddenLine xmlns:a14="http://schemas.microsoft.com/office/drawing/2010/main" w="9525">
                       <a:solidFill>
                         <a:schemeClr val="tx1"/>
@@ -23740,7 +23833,7 @@
                       <a:tailEnd/>
                     </a14:hiddenLine>
                   </a:ext>
-                  <a:ext uri="{AF507438-7753-43E0-B8FC-AC1667EBCBE1}">
+                  <a:ext uri="{AF507438-7753-43e0-B8FC-AC1667EBCBE1}">
                     <a14:hiddenEffects xmlns:a14="http://schemas.microsoft.com/office/drawing/2010/main">
                       <a:effectLst>
                         <a:outerShdw dist="35921" dir="2700000" algn="ctr" rotWithShape="0">
@@ -23822,7 +23915,7 @@
               <a:graphicData uri="http://schemas.openxmlformats.org/presentationml/2006/ole">
                 <mc:AlternateContent xmlns:mc="http://schemas.openxmlformats.org/markup-compatibility/2006">
                   <mc:Choice xmlns:v="urn:schemas-microsoft-com:vml" Requires="v">
-                    <p:oleObj spid="_x0000_s1033" name="Clip" r:id="rId8" imgW="2409480" imgH="2295000" progId="MS_ClipArt_Gallery.5">
+                    <p:oleObj spid="_x0000_s1038" name="Clip" r:id="rId8" imgW="2409480" imgH="2295000" progId="MS_ClipArt_Gallery.5">
                       <p:embed/>
                     </p:oleObj>
                   </mc:Choice>
@@ -23864,14 +23957,14 @@
                           </a:ln>
                           <a:effectLst/>
                           <a:extLst>
-                            <a:ext uri="{909E8E84-426E-40DD-AFC4-6F175D3DCCD1}">
+                            <a:ext uri="{909E8E84-426E-40dd-AFC4-6F175D3DCCD1}">
                               <a14:hiddenFill xmlns:a14="http://schemas.microsoft.com/office/drawing/2010/main">
                                 <a:solidFill>
                                   <a:schemeClr val="accent1"/>
                                 </a:solidFill>
                               </a14:hiddenFill>
                             </a:ext>
-                            <a:ext uri="{91240B29-F687-4F45-9708-019B960494DF}">
+                            <a:ext uri="{91240B29-F687-4f45-9708-019B960494DF}">
                               <a14:hiddenLine xmlns:a14="http://schemas.microsoft.com/office/drawing/2010/main" w="9525">
                                 <a:solidFill>
                                   <a:schemeClr val="tx1"/>
@@ -23881,7 +23974,7 @@
                                 <a:tailEnd/>
                               </a14:hiddenLine>
                             </a:ext>
-                            <a:ext uri="{AF507438-7753-43E0-B8FC-AC1667EBCBE1}">
+                            <a:ext uri="{AF507438-7753-43e0-B8FC-AC1667EBCBE1}">
                               <a14:hiddenEffects xmlns:a14="http://schemas.microsoft.com/office/drawing/2010/main">
                                 <a:effectLst>
                                   <a:outerShdw dist="35921" dir="2700000" algn="ctr" rotWithShape="0">
@@ -23922,14 +24015,14 @@
             </a:ln>
             <a:effectLst/>
             <a:extLst>
-              <a:ext uri="{909E8E84-426E-40DD-AFC4-6F175D3DCCD1}">
+              <a:ext uri="{909E8E84-426E-40dd-AFC4-6F175D3DCCD1}">
                 <a14:hiddenFill xmlns:a14="http://schemas.microsoft.com/office/drawing/2010/main">
                   <a:solidFill>
                     <a:schemeClr val="accent1"/>
                   </a:solidFill>
                 </a14:hiddenFill>
               </a:ext>
-              <a:ext uri="{91240B29-F687-4F45-9708-019B960494DF}">
+              <a:ext uri="{91240B29-F687-4f45-9708-019B960494DF}">
                 <a14:hiddenLine xmlns:a14="http://schemas.microsoft.com/office/drawing/2010/main" w="9525">
                   <a:solidFill>
                     <a:schemeClr val="tx1"/>
@@ -23939,7 +24032,7 @@
                   <a:tailEnd/>
                 </a14:hiddenLine>
               </a:ext>
-              <a:ext uri="{AF507438-7753-43E0-B8FC-AC1667EBCBE1}">
+              <a:ext uri="{AF507438-7753-43e0-B8FC-AC1667EBCBE1}">
                 <a14:hiddenEffects xmlns:a14="http://schemas.microsoft.com/office/drawing/2010/main">
                   <a:effectLst>
                     <a:outerShdw dist="35921" dir="2700000" algn="ctr" rotWithShape="0">
@@ -24007,7 +24100,7 @@
             </a:outerShdw>
           </a:effectLst>
           <a:extLst>
-            <a:ext uri="{91240B29-F687-4F45-9708-019B960494DF}">
+            <a:ext uri="{91240B29-F687-4f45-9708-019B960494DF}">
               <a14:hiddenLine xmlns:a14="http://schemas.microsoft.com/office/drawing/2010/main" w="9525">
                 <a:solidFill>
                   <a:schemeClr val="tx1"/>
@@ -24091,16 +24184,6 @@
               </a:rPr>
               <a:t>支持</a:t>
             </a:r>
-            <a:endParaRPr lang="zh-TW" altLang="en-US" sz="2000" b="1" dirty="0">
-              <a:solidFill>
-                <a:schemeClr val="tx2">
-                  <a:lumMod val="75000"/>
-                  <a:lumOff val="25000"/>
-                </a:schemeClr>
-              </a:solidFill>
-              <a:latin typeface="Georgia" pitchFamily="18" charset="0"/>
-              <a:ea typeface="標楷體" pitchFamily="65" charset="-120"/>
-            </a:endParaRPr>
           </a:p>
         </p:txBody>
       </p:sp>
@@ -24133,7 +24216,7 @@
           </a:ln>
           <a:effectLst/>
           <a:extLst>
-            <a:ext uri="{AF507438-7753-43E0-B8FC-AC1667EBCBE1}">
+            <a:ext uri="{AF507438-7753-43e0-B8FC-AC1667EBCBE1}">
               <a14:hiddenEffects xmlns:a14="http://schemas.microsoft.com/office/drawing/2010/main">
                 <a:effectLst>
                   <a:outerShdw dist="35921" dir="2700000" algn="ctr" rotWithShape="0">
@@ -24172,13 +24255,6 @@
               </a:rPr>
               <a:t>的大事</a:t>
             </a:r>
-            <a:endParaRPr lang="zh-TW" altLang="en-US" sz="1400" b="1" dirty="0">
-              <a:solidFill>
-                <a:schemeClr val="bg1"/>
-              </a:solidFill>
-              <a:latin typeface="+mn-ea"/>
-              <a:ea typeface="+mn-ea"/>
-            </a:endParaRPr>
           </a:p>
         </p:txBody>
       </p:sp>
@@ -24212,7 +24288,7 @@
             </a:outerShdw>
           </a:effectLst>
           <a:extLst>
-            <a:ext uri="{91240B29-F687-4F45-9708-019B960494DF}">
+            <a:ext uri="{91240B29-F687-4f45-9708-019B960494DF}">
               <a14:hiddenLine xmlns:a14="http://schemas.microsoft.com/office/drawing/2010/main" w="9525">
                 <a:solidFill>
                   <a:schemeClr val="tx1"/>
@@ -24438,7 +24514,7 @@
           </a:ln>
           <a:effectLst/>
           <a:extLst>
-            <a:ext uri="{AF507438-7753-43E0-B8FC-AC1667EBCBE1}">
+            <a:ext uri="{AF507438-7753-43e0-B8FC-AC1667EBCBE1}">
               <a14:hiddenEffects xmlns:a14="http://schemas.microsoft.com/office/drawing/2010/main">
                 <a:effectLst>
                   <a:outerShdw dist="35921" dir="2700000" algn="ctr" rotWithShape="0">
@@ -24523,7 +24599,7 @@
   <p:timing>
     <p:tnLst>
       <p:par>
-        <p:cTn id="1" dur="indefinite" restart="never" nodeType="tmRoot">
+        <p:cTn xmlns:p14="http://schemas.microsoft.com/office/powerpoint/2010/main" id="1" dur="indefinite" restart="never" nodeType="tmRoot">
           <p:childTnLst>
             <p:seq concurrent="1" nextAc="seek">
               <p:cTn id="2" dur="indefinite" nodeType="mainSeq">
@@ -24710,7 +24786,7 @@
 </p:sld>
 </file>
 
-<file path=ppt/slides/slide7.xml><?xml version="1.0" encoding="utf-8"?>
+<file path=ppt/slides/slide8.xml><?xml version="1.0" encoding="utf-8"?>
 <p:sld xmlns:a="http://schemas.openxmlformats.org/drawingml/2006/main" xmlns:r="http://schemas.openxmlformats.org/officeDocument/2006/relationships" xmlns:p="http://schemas.openxmlformats.org/presentationml/2006/main">
   <p:cSld>
     <p:spTree>
@@ -24745,7 +24821,7 @@
             <a:fld id="{6CF9A2E5-6697-4440-9486-83253D4533F4}" type="slidenum">
               <a:rPr lang="en-US" altLang="zh-TW"/>
               <a:pPr/>
-              <a:t>7</a:t>
+              <a:t>8</a:t>
             </a:fld>
             <a:endParaRPr lang="en-US" altLang="zh-TW"/>
           </a:p>
@@ -24773,14 +24849,14 @@
           </a:ln>
           <a:effectLst/>
           <a:extLst>
-            <a:ext uri="{909E8E84-426E-40DD-AFC4-6F175D3DCCD1}">
+            <a:ext uri="{909E8E84-426E-40dd-AFC4-6F175D3DCCD1}">
               <a14:hiddenFill xmlns:a14="http://schemas.microsoft.com/office/drawing/2010/main">
                 <a:solidFill>
                   <a:schemeClr val="accent1"/>
                 </a:solidFill>
               </a14:hiddenFill>
             </a:ext>
-            <a:ext uri="{91240B29-F687-4F45-9708-019B960494DF}">
+            <a:ext uri="{91240B29-F687-4f45-9708-019B960494DF}">
               <a14:hiddenLine xmlns:a14="http://schemas.microsoft.com/office/drawing/2010/main" w="9525">
                 <a:solidFill>
                   <a:schemeClr val="tx1"/>
@@ -24790,7 +24866,7 @@
                 <a:tailEnd/>
               </a14:hiddenLine>
             </a:ext>
-            <a:ext uri="{AF507438-7753-43E0-B8FC-AC1667EBCBE1}">
+            <a:ext uri="{AF507438-7753-43e0-B8FC-AC1667EBCBE1}">
               <a14:hiddenEffects xmlns:a14="http://schemas.microsoft.com/office/drawing/2010/main">
                 <a:effectLst>
                   <a:outerShdw dist="35921" dir="2700000" algn="ctr" rotWithShape="0">
@@ -24858,14 +24934,14 @@
           </a:ln>
           <a:effectLst/>
           <a:extLst>
-            <a:ext uri="{909E8E84-426E-40DD-AFC4-6F175D3DCCD1}">
+            <a:ext uri="{909E8E84-426E-40dd-AFC4-6F175D3DCCD1}">
               <a14:hiddenFill xmlns:a14="http://schemas.microsoft.com/office/drawing/2010/main">
                 <a:solidFill>
                   <a:schemeClr val="accent1"/>
                 </a:solidFill>
               </a14:hiddenFill>
             </a:ext>
-            <a:ext uri="{91240B29-F687-4F45-9708-019B960494DF}">
+            <a:ext uri="{91240B29-F687-4f45-9708-019B960494DF}">
               <a14:hiddenLine xmlns:a14="http://schemas.microsoft.com/office/drawing/2010/main" w="9525">
                 <a:solidFill>
                   <a:schemeClr val="tx1"/>
@@ -24875,7 +24951,7 @@
                 <a:tailEnd/>
               </a14:hiddenLine>
             </a:ext>
-            <a:ext uri="{AF507438-7753-43E0-B8FC-AC1667EBCBE1}">
+            <a:ext uri="{AF507438-7753-43e0-B8FC-AC1667EBCBE1}">
               <a14:hiddenEffects xmlns:a14="http://schemas.microsoft.com/office/drawing/2010/main">
                 <a:effectLst>
                   <a:outerShdw dist="35921" dir="2700000" algn="ctr" rotWithShape="0">
@@ -24945,14 +25021,14 @@
           </a:ln>
           <a:effectLst/>
           <a:extLst>
-            <a:ext uri="{909E8E84-426E-40DD-AFC4-6F175D3DCCD1}">
+            <a:ext uri="{909E8E84-426E-40dd-AFC4-6F175D3DCCD1}">
               <a14:hiddenFill xmlns:a14="http://schemas.microsoft.com/office/drawing/2010/main">
                 <a:solidFill>
                   <a:schemeClr val="accent1"/>
                 </a:solidFill>
               </a14:hiddenFill>
             </a:ext>
-            <a:ext uri="{91240B29-F687-4F45-9708-019B960494DF}">
+            <a:ext uri="{91240B29-F687-4f45-9708-019B960494DF}">
               <a14:hiddenLine xmlns:a14="http://schemas.microsoft.com/office/drawing/2010/main" w="9525">
                 <a:solidFill>
                   <a:schemeClr val="tx1"/>
@@ -24962,7 +25038,7 @@
                 <a:tailEnd/>
               </a14:hiddenLine>
             </a:ext>
-            <a:ext uri="{AF507438-7753-43E0-B8FC-AC1667EBCBE1}">
+            <a:ext uri="{AF507438-7753-43e0-B8FC-AC1667EBCBE1}">
               <a14:hiddenEffects xmlns:a14="http://schemas.microsoft.com/office/drawing/2010/main">
                 <a:effectLst>
                   <a:outerShdw dist="35921" dir="2700000" algn="ctr" rotWithShape="0">
@@ -25022,14 +25098,14 @@
           </a:ln>
           <a:effectLst/>
           <a:extLst>
-            <a:ext uri="{909E8E84-426E-40DD-AFC4-6F175D3DCCD1}">
+            <a:ext uri="{909E8E84-426E-40dd-AFC4-6F175D3DCCD1}">
               <a14:hiddenFill xmlns:a14="http://schemas.microsoft.com/office/drawing/2010/main">
                 <a:solidFill>
                   <a:schemeClr val="accent1"/>
                 </a:solidFill>
               </a14:hiddenFill>
             </a:ext>
-            <a:ext uri="{91240B29-F687-4F45-9708-019B960494DF}">
+            <a:ext uri="{91240B29-F687-4f45-9708-019B960494DF}">
               <a14:hiddenLine xmlns:a14="http://schemas.microsoft.com/office/drawing/2010/main" w="9525">
                 <a:solidFill>
                   <a:schemeClr val="tx1"/>
@@ -25039,7 +25115,7 @@
                 <a:tailEnd/>
               </a14:hiddenLine>
             </a:ext>
-            <a:ext uri="{AF507438-7753-43E0-B8FC-AC1667EBCBE1}">
+            <a:ext uri="{AF507438-7753-43e0-B8FC-AC1667EBCBE1}">
               <a14:hiddenEffects xmlns:a14="http://schemas.microsoft.com/office/drawing/2010/main">
                 <a:effectLst>
                   <a:outerShdw dist="35921" dir="2700000" algn="ctr" rotWithShape="0">
@@ -25099,14 +25175,14 @@
           </a:ln>
           <a:effectLst/>
           <a:extLst>
-            <a:ext uri="{909E8E84-426E-40DD-AFC4-6F175D3DCCD1}">
+            <a:ext uri="{909E8E84-426E-40dd-AFC4-6F175D3DCCD1}">
               <a14:hiddenFill xmlns:a14="http://schemas.microsoft.com/office/drawing/2010/main">
                 <a:solidFill>
                   <a:schemeClr val="accent1"/>
                 </a:solidFill>
               </a14:hiddenFill>
             </a:ext>
-            <a:ext uri="{91240B29-F687-4F45-9708-019B960494DF}">
+            <a:ext uri="{91240B29-F687-4f45-9708-019B960494DF}">
               <a14:hiddenLine xmlns:a14="http://schemas.microsoft.com/office/drawing/2010/main" w="9525">
                 <a:solidFill>
                   <a:schemeClr val="tx1"/>
@@ -25116,7 +25192,7 @@
                 <a:tailEnd/>
               </a14:hiddenLine>
             </a:ext>
-            <a:ext uri="{AF507438-7753-43E0-B8FC-AC1667EBCBE1}">
+            <a:ext uri="{AF507438-7753-43e0-B8FC-AC1667EBCBE1}">
               <a14:hiddenEffects xmlns:a14="http://schemas.microsoft.com/office/drawing/2010/main">
                 <a:effectLst>
                   <a:outerShdw dist="35921" dir="2700000" algn="ctr" rotWithShape="0">
@@ -25187,14 +25263,14 @@
           </a:ln>
           <a:effectLst/>
           <a:extLst>
-            <a:ext uri="{909E8E84-426E-40DD-AFC4-6F175D3DCCD1}">
+            <a:ext uri="{909E8E84-426E-40dd-AFC4-6F175D3DCCD1}">
               <a14:hiddenFill xmlns:a14="http://schemas.microsoft.com/office/drawing/2010/main">
                 <a:solidFill>
                   <a:schemeClr val="accent1"/>
                 </a:solidFill>
               </a14:hiddenFill>
             </a:ext>
-            <a:ext uri="{91240B29-F687-4F45-9708-019B960494DF}">
+            <a:ext uri="{91240B29-F687-4f45-9708-019B960494DF}">
               <a14:hiddenLine xmlns:a14="http://schemas.microsoft.com/office/drawing/2010/main" w="9525">
                 <a:solidFill>
                   <a:schemeClr val="tx1"/>
@@ -25204,7 +25280,7 @@
                 <a:tailEnd/>
               </a14:hiddenLine>
             </a:ext>
-            <a:ext uri="{AF507438-7753-43E0-B8FC-AC1667EBCBE1}">
+            <a:ext uri="{AF507438-7753-43e0-B8FC-AC1667EBCBE1}">
               <a14:hiddenEffects xmlns:a14="http://schemas.microsoft.com/office/drawing/2010/main">
                 <a:effectLst>
                   <a:outerShdw dist="35921" dir="2700000" algn="ctr" rotWithShape="0">
@@ -25252,14 +25328,14 @@
           </a:ln>
           <a:effectLst/>
           <a:extLst>
-            <a:ext uri="{909E8E84-426E-40DD-AFC4-6F175D3DCCD1}">
+            <a:ext uri="{909E8E84-426E-40dd-AFC4-6F175D3DCCD1}">
               <a14:hiddenFill xmlns:a14="http://schemas.microsoft.com/office/drawing/2010/main">
                 <a:solidFill>
                   <a:schemeClr val="accent1"/>
                 </a:solidFill>
               </a14:hiddenFill>
             </a:ext>
-            <a:ext uri="{91240B29-F687-4F45-9708-019B960494DF}">
+            <a:ext uri="{91240B29-F687-4f45-9708-019B960494DF}">
               <a14:hiddenLine xmlns:a14="http://schemas.microsoft.com/office/drawing/2010/main" w="9525">
                 <a:solidFill>
                   <a:schemeClr val="tx1"/>
@@ -25269,7 +25345,7 @@
                 <a:tailEnd/>
               </a14:hiddenLine>
             </a:ext>
-            <a:ext uri="{AF507438-7753-43E0-B8FC-AC1667EBCBE1}">
+            <a:ext uri="{AF507438-7753-43e0-B8FC-AC1667EBCBE1}">
               <a14:hiddenEffects xmlns:a14="http://schemas.microsoft.com/office/drawing/2010/main">
                 <a:effectLst>
                   <a:outerShdw dist="35921" dir="2700000" algn="ctr" rotWithShape="0">
@@ -25325,12 +25401,12 @@
           </a:ln>
           <a:effectLst/>
           <a:extLst>
-            <a:ext uri="{909E8E84-426E-40DD-AFC4-6F175D3DCCD1}">
+            <a:ext uri="{909E8E84-426E-40dd-AFC4-6F175D3DCCD1}">
               <a14:hiddenFill xmlns:a14="http://schemas.microsoft.com/office/drawing/2010/main">
                 <a:noFill/>
               </a14:hiddenFill>
             </a:ext>
-            <a:ext uri="{AF507438-7753-43E0-B8FC-AC1667EBCBE1}">
+            <a:ext uri="{AF507438-7753-43e0-B8FC-AC1667EBCBE1}">
               <a14:hiddenEffects xmlns:a14="http://schemas.microsoft.com/office/drawing/2010/main">
                 <a:effectLst>
                   <a:outerShdw dist="35921" dir="2700000" algn="ctr" rotWithShape="0">
@@ -25371,14 +25447,14 @@
           </a:ln>
           <a:effectLst/>
           <a:extLst>
-            <a:ext uri="{909E8E84-426E-40DD-AFC4-6F175D3DCCD1}">
+            <a:ext uri="{909E8E84-426E-40dd-AFC4-6F175D3DCCD1}">
               <a14:hiddenFill xmlns:a14="http://schemas.microsoft.com/office/drawing/2010/main">
                 <a:solidFill>
                   <a:schemeClr val="accent1"/>
                 </a:solidFill>
               </a14:hiddenFill>
             </a:ext>
-            <a:ext uri="{91240B29-F687-4F45-9708-019B960494DF}">
+            <a:ext uri="{91240B29-F687-4f45-9708-019B960494DF}">
               <a14:hiddenLine xmlns:a14="http://schemas.microsoft.com/office/drawing/2010/main" w="9525">
                 <a:solidFill>
                   <a:schemeClr val="tx1"/>
@@ -25388,7 +25464,7 @@
                 <a:tailEnd/>
               </a14:hiddenLine>
             </a:ext>
-            <a:ext uri="{AF507438-7753-43E0-B8FC-AC1667EBCBE1}">
+            <a:ext uri="{AF507438-7753-43e0-B8FC-AC1667EBCBE1}">
               <a14:hiddenEffects xmlns:a14="http://schemas.microsoft.com/office/drawing/2010/main">
                 <a:effectLst>
                   <a:outerShdw dist="35921" dir="2700000" algn="ctr" rotWithShape="0">
@@ -25516,14 +25592,14 @@
           </a:ln>
           <a:effectLst/>
           <a:extLst>
-            <a:ext uri="{909E8E84-426E-40DD-AFC4-6F175D3DCCD1}">
+            <a:ext uri="{909E8E84-426E-40dd-AFC4-6F175D3DCCD1}">
               <a14:hiddenFill xmlns:a14="http://schemas.microsoft.com/office/drawing/2010/main">
                 <a:solidFill>
                   <a:schemeClr val="accent1"/>
                 </a:solidFill>
               </a14:hiddenFill>
             </a:ext>
-            <a:ext uri="{91240B29-F687-4F45-9708-019B960494DF}">
+            <a:ext uri="{91240B29-F687-4f45-9708-019B960494DF}">
               <a14:hiddenLine xmlns:a14="http://schemas.microsoft.com/office/drawing/2010/main" w="9525">
                 <a:solidFill>
                   <a:schemeClr val="tx1"/>
@@ -25533,7 +25609,7 @@
                 <a:tailEnd/>
               </a14:hiddenLine>
             </a:ext>
-            <a:ext uri="{AF507438-7753-43E0-B8FC-AC1667EBCBE1}">
+            <a:ext uri="{AF507438-7753-43e0-B8FC-AC1667EBCBE1}">
               <a14:hiddenEffects xmlns:a14="http://schemas.microsoft.com/office/drawing/2010/main">
                 <a:effectLst>
                   <a:outerShdw dist="35921" dir="2700000" algn="ctr" rotWithShape="0">
@@ -25652,7 +25728,7 @@
   <p:timing>
     <p:tnLst>
       <p:par>
-        <p:cTn id="1" dur="indefinite" restart="never" nodeType="tmRoot">
+        <p:cTn xmlns:p14="http://schemas.microsoft.com/office/powerpoint/2010/main" id="1" dur="indefinite" restart="never" nodeType="tmRoot">
           <p:childTnLst>
             <p:seq concurrent="1" nextAc="seek">
               <p:cTn id="2" dur="indefinite" nodeType="mainSeq">

--- a/Learn Python from trading.pptx
+++ b/Learn Python from trading.pptx
@@ -5,20 +5,21 @@
     <p:sldMasterId id="2147483660" r:id="rId1"/>
   </p:sldMasterIdLst>
   <p:notesMasterIdLst>
-    <p:notesMasterId r:id="rId10"/>
+    <p:notesMasterId r:id="rId11"/>
   </p:notesMasterIdLst>
   <p:handoutMasterIdLst>
-    <p:handoutMasterId r:id="rId11"/>
+    <p:handoutMasterId r:id="rId12"/>
   </p:handoutMasterIdLst>
   <p:sldIdLst>
     <p:sldId id="256" r:id="rId2"/>
     <p:sldId id="392" r:id="rId3"/>
     <p:sldId id="393" r:id="rId4"/>
-    <p:sldId id="396" r:id="rId5"/>
-    <p:sldId id="275" r:id="rId6"/>
-    <p:sldId id="276" r:id="rId7"/>
-    <p:sldId id="395" r:id="rId8"/>
-    <p:sldId id="394" r:id="rId9"/>
+    <p:sldId id="397" r:id="rId5"/>
+    <p:sldId id="396" r:id="rId6"/>
+    <p:sldId id="275" r:id="rId7"/>
+    <p:sldId id="276" r:id="rId8"/>
+    <p:sldId id="395" r:id="rId9"/>
+    <p:sldId id="394" r:id="rId10"/>
   </p:sldIdLst>
   <p:sldSz cx="9144000" cy="6858000" type="screen4x3"/>
   <p:notesSz cx="6858000" cy="9144000"/>
@@ -245,7 +246,7 @@
             <a:fld id="{1BAED485-D643-44CF-9035-D13D97B593B5}" type="datetimeFigureOut">
               <a:rPr lang="zh-TW" altLang="en-US"/>
               <a:pPr/>
-              <a:t>16/7/2</a:t>
+              <a:t>2016/7/22</a:t>
             </a:fld>
             <a:endParaRPr lang="zh-TW" altLang="en-US"/>
           </a:p>
@@ -563,7 +564,7 @@
             <a:fld id="{5620DA85-2284-4AFD-B1E9-D8DDCCF1B6CF}" type="datetimeFigureOut">
               <a:rPr lang="zh-TW" altLang="en-US"/>
               <a:pPr/>
-              <a:t>16/7/2</a:t>
+              <a:t>2016/7/22</a:t>
             </a:fld>
             <a:endParaRPr lang="zh-TW" altLang="en-US"/>
           </a:p>
@@ -1660,14 +1661,14 @@
         <p:spPr bwMode="auto">
           <a:noFill/>
           <a:extLst>
-            <a:ext uri="{909E8E84-426E-40dd-AFC4-6F175D3DCCD1}">
+            <a:ext uri="{909E8E84-426E-40DD-AFC4-6F175D3DCCD1}">
               <a14:hiddenFill xmlns:a14="http://schemas.microsoft.com/office/drawing/2010/main">
                 <a:solidFill>
                   <a:srgbClr val="FFFFFF"/>
                 </a:solidFill>
               </a14:hiddenFill>
             </a:ext>
-            <a:ext uri="{91240B29-F687-4f45-9708-019B960494DF}">
+            <a:ext uri="{91240B29-F687-4F45-9708-019B960494DF}">
               <a14:hiddenLine xmlns:a14="http://schemas.microsoft.com/office/drawing/2010/main" w="9525">
                 <a:solidFill>
                   <a:srgbClr val="000000"/>
@@ -1793,7 +1794,7 @@
             <a:fld id="{D7695ABF-6D8F-4724-9179-CBE067474741}" type="slidenum">
               <a:rPr lang="en-US" altLang="zh-TW" sz="1200"/>
               <a:pPr eaLnBrk="1" hangingPunct="1"/>
-              <a:t>5</a:t>
+              <a:t>6</a:t>
             </a:fld>
             <a:endParaRPr lang="en-US" altLang="zh-TW" sz="1200"/>
           </a:p>
@@ -1820,7 +1821,7 @@
             <a:tailEnd/>
           </a:ln>
           <a:extLst>
-            <a:ext uri="{909E8E84-426E-40dd-AFC4-6F175D3DCCD1}">
+            <a:ext uri="{909E8E84-426E-40DD-AFC4-6F175D3DCCD1}">
               <a14:hiddenFill xmlns:a14="http://schemas.microsoft.com/office/drawing/2010/main">
                 <a:solidFill>
                   <a:srgbClr val="FFFFFF"/>
@@ -1843,14 +1844,14 @@
         <p:spPr bwMode="auto">
           <a:noFill/>
           <a:extLst>
-            <a:ext uri="{909E8E84-426E-40dd-AFC4-6F175D3DCCD1}">
+            <a:ext uri="{909E8E84-426E-40DD-AFC4-6F175D3DCCD1}">
               <a14:hiddenFill xmlns:a14="http://schemas.microsoft.com/office/drawing/2010/main">
                 <a:solidFill>
                   <a:srgbClr val="FFFFFF"/>
                 </a:solidFill>
               </a14:hiddenFill>
             </a:ext>
-            <a:ext uri="{91240B29-F687-4f45-9708-019B960494DF}">
+            <a:ext uri="{91240B29-F687-4F45-9708-019B960494DF}">
               <a14:hiddenLine xmlns:a14="http://schemas.microsoft.com/office/drawing/2010/main" w="9525">
                 <a:solidFill>
                   <a:srgbClr val="000000"/>
@@ -1915,7 +1916,7 @@
             <a:fld id="{993A7F9F-9445-4540-A025-9BA9EC23159C}" type="slidenum">
               <a:rPr lang="en-US" altLang="zh-TW"/>
               <a:pPr/>
-              <a:t>7</a:t>
+              <a:t>8</a:t>
             </a:fld>
             <a:endParaRPr lang="en-US" altLang="zh-TW"/>
           </a:p>
@@ -1999,7 +2000,7 @@
             <a:fld id="{36761513-C24B-4A78-ADCE-130B2F4535D5}" type="slidenum">
               <a:rPr lang="en-US" altLang="zh-TW"/>
               <a:pPr/>
-              <a:t>8</a:t>
+              <a:t>9</a:t>
             </a:fld>
             <a:endParaRPr lang="en-US" altLang="zh-TW"/>
           </a:p>
@@ -2260,14 +2261,14 @@
             <a:noFill/>
           </a:ln>
           <a:extLst>
-            <a:ext uri="{909E8E84-426E-40dd-AFC4-6F175D3DCCD1}">
+            <a:ext uri="{909E8E84-426E-40DD-AFC4-6F175D3DCCD1}">
               <a14:hiddenFill xmlns:a14="http://schemas.microsoft.com/office/drawing/2010/main">
                 <a:solidFill>
                   <a:srgbClr val="FFFFFF"/>
                 </a:solidFill>
               </a14:hiddenFill>
             </a:ext>
-            <a:ext uri="{91240B29-F687-4f45-9708-019B960494DF}">
+            <a:ext uri="{91240B29-F687-4F45-9708-019B960494DF}">
               <a14:hiddenLine xmlns:a14="http://schemas.microsoft.com/office/drawing/2010/main" w="9525">
                 <a:solidFill>
                   <a:srgbClr val="000000"/>
@@ -2617,14 +2618,14 @@
             <a:noFill/>
           </a:ln>
           <a:extLst>
-            <a:ext uri="{909E8E84-426E-40dd-AFC4-6F175D3DCCD1}">
+            <a:ext uri="{909E8E84-426E-40DD-AFC4-6F175D3DCCD1}">
               <a14:hiddenFill xmlns:a14="http://schemas.microsoft.com/office/drawing/2010/main">
                 <a:solidFill>
                   <a:srgbClr val="FFFFFF"/>
                 </a:solidFill>
               </a14:hiddenFill>
             </a:ext>
-            <a:ext uri="{91240B29-F687-4f45-9708-019B960494DF}">
+            <a:ext uri="{91240B29-F687-4F45-9708-019B960494DF}">
               <a14:hiddenLine xmlns:a14="http://schemas.microsoft.com/office/drawing/2010/main" w="9525">
                 <a:solidFill>
                   <a:srgbClr val="000000"/>
@@ -3106,14 +3107,14 @@
             <a:noFill/>
           </a:ln>
           <a:extLst>
-            <a:ext uri="{909E8E84-426E-40dd-AFC4-6F175D3DCCD1}">
+            <a:ext uri="{909E8E84-426E-40DD-AFC4-6F175D3DCCD1}">
               <a14:hiddenFill xmlns:a14="http://schemas.microsoft.com/office/drawing/2010/main">
                 <a:solidFill>
                   <a:srgbClr val="FFFFFF"/>
                 </a:solidFill>
               </a14:hiddenFill>
             </a:ext>
-            <a:ext uri="{91240B29-F687-4f45-9708-019B960494DF}">
+            <a:ext uri="{91240B29-F687-4F45-9708-019B960494DF}">
               <a14:hiddenLine xmlns:a14="http://schemas.microsoft.com/office/drawing/2010/main" w="9525">
                 <a:solidFill>
                   <a:srgbClr val="000000"/>
@@ -3160,14 +3161,14 @@
             <a:noFill/>
           </a:ln>
           <a:extLst>
-            <a:ext uri="{909E8E84-426E-40dd-AFC4-6F175D3DCCD1}">
+            <a:ext uri="{909E8E84-426E-40DD-AFC4-6F175D3DCCD1}">
               <a14:hiddenFill xmlns:a14="http://schemas.microsoft.com/office/drawing/2010/main">
                 <a:solidFill>
                   <a:srgbClr val="FFFFFF"/>
                 </a:solidFill>
               </a14:hiddenFill>
             </a:ext>
-            <a:ext uri="{91240B29-F687-4f45-9708-019B960494DF}">
+            <a:ext uri="{91240B29-F687-4F45-9708-019B960494DF}">
               <a14:hiddenLine xmlns:a14="http://schemas.microsoft.com/office/drawing/2010/main" w="9525">
                 <a:solidFill>
                   <a:srgbClr val="000000"/>
@@ -3214,14 +3215,14 @@
             <a:noFill/>
           </a:ln>
           <a:extLst>
-            <a:ext uri="{909E8E84-426E-40dd-AFC4-6F175D3DCCD1}">
+            <a:ext uri="{909E8E84-426E-40DD-AFC4-6F175D3DCCD1}">
               <a14:hiddenFill xmlns:a14="http://schemas.microsoft.com/office/drawing/2010/main">
                 <a:solidFill>
                   <a:srgbClr val="FFFFFF"/>
                 </a:solidFill>
               </a14:hiddenFill>
             </a:ext>
-            <a:ext uri="{91240B29-F687-4f45-9708-019B960494DF}">
+            <a:ext uri="{91240B29-F687-4F45-9708-019B960494DF}">
               <a14:hiddenLine xmlns:a14="http://schemas.microsoft.com/office/drawing/2010/main" w="9525">
                 <a:solidFill>
                   <a:srgbClr val="000000"/>
@@ -3268,14 +3269,14 @@
             <a:noFill/>
           </a:ln>
           <a:extLst>
-            <a:ext uri="{909E8E84-426E-40dd-AFC4-6F175D3DCCD1}">
+            <a:ext uri="{909E8E84-426E-40DD-AFC4-6F175D3DCCD1}">
               <a14:hiddenFill xmlns:a14="http://schemas.microsoft.com/office/drawing/2010/main">
                 <a:solidFill>
                   <a:srgbClr val="FFFFFF"/>
                 </a:solidFill>
               </a14:hiddenFill>
             </a:ext>
-            <a:ext uri="{91240B29-F687-4f45-9708-019B960494DF}">
+            <a:ext uri="{91240B29-F687-4F45-9708-019B960494DF}">
               <a14:hiddenLine xmlns:a14="http://schemas.microsoft.com/office/drawing/2010/main" w="9525">
                 <a:solidFill>
                   <a:srgbClr val="000000"/>
@@ -3322,14 +3323,14 @@
             <a:noFill/>
           </a:ln>
           <a:extLst>
-            <a:ext uri="{909E8E84-426E-40dd-AFC4-6F175D3DCCD1}">
+            <a:ext uri="{909E8E84-426E-40DD-AFC4-6F175D3DCCD1}">
               <a14:hiddenFill xmlns:a14="http://schemas.microsoft.com/office/drawing/2010/main">
                 <a:solidFill>
                   <a:srgbClr val="FFFFFF"/>
                 </a:solidFill>
               </a14:hiddenFill>
             </a:ext>
-            <a:ext uri="{91240B29-F687-4f45-9708-019B960494DF}">
+            <a:ext uri="{91240B29-F687-4F45-9708-019B960494DF}">
               <a14:hiddenLine xmlns:a14="http://schemas.microsoft.com/office/drawing/2010/main" w="9525">
                 <a:solidFill>
                   <a:srgbClr val="000000"/>
@@ -3534,14 +3535,14 @@
             <a:noFill/>
           </a:ln>
           <a:extLst>
-            <a:ext uri="{909E8E84-426E-40dd-AFC4-6F175D3DCCD1}">
+            <a:ext uri="{909E8E84-426E-40DD-AFC4-6F175D3DCCD1}">
               <a14:hiddenFill xmlns:a14="http://schemas.microsoft.com/office/drawing/2010/main">
                 <a:solidFill>
                   <a:srgbClr val="FFFFFF"/>
                 </a:solidFill>
               </a14:hiddenFill>
             </a:ext>
-            <a:ext uri="{91240B29-F687-4f45-9708-019B960494DF}">
+            <a:ext uri="{91240B29-F687-4F45-9708-019B960494DF}">
               <a14:hiddenLine xmlns:a14="http://schemas.microsoft.com/office/drawing/2010/main" w="9525">
                 <a:solidFill>
                   <a:srgbClr val="000000"/>
@@ -3588,14 +3589,14 @@
             <a:noFill/>
           </a:ln>
           <a:extLst>
-            <a:ext uri="{909E8E84-426E-40dd-AFC4-6F175D3DCCD1}">
+            <a:ext uri="{909E8E84-426E-40DD-AFC4-6F175D3DCCD1}">
               <a14:hiddenFill xmlns:a14="http://schemas.microsoft.com/office/drawing/2010/main">
                 <a:solidFill>
                   <a:srgbClr val="FFFFFF"/>
                 </a:solidFill>
               </a14:hiddenFill>
             </a:ext>
-            <a:ext uri="{91240B29-F687-4f45-9708-019B960494DF}">
+            <a:ext uri="{91240B29-F687-4F45-9708-019B960494DF}">
               <a14:hiddenLine xmlns:a14="http://schemas.microsoft.com/office/drawing/2010/main" w="9525">
                 <a:solidFill>
                   <a:srgbClr val="000000"/>
@@ -5108,7 +5109,7 @@
   <p:clrMapOvr>
     <a:masterClrMapping/>
   </p:clrMapOvr>
-  <p:transition xmlns:p14="http://schemas.microsoft.com/office/powerpoint/2010/main"/>
+  <p:transition/>
 </p:sldLayout>
 </file>
 
@@ -5626,7 +5627,7 @@
   <p:clrMapOvr>
     <a:masterClrMapping/>
   </p:clrMapOvr>
-  <p:transition xmlns:p14="http://schemas.microsoft.com/office/powerpoint/2010/main"/>
+  <p:transition/>
 </p:sldLayout>
 </file>
 
@@ -6155,7 +6156,7 @@
   <p:clrMapOvr>
     <a:masterClrMapping/>
   </p:clrMapOvr>
-  <p:transition xmlns:p14="http://schemas.microsoft.com/office/powerpoint/2010/main"/>
+  <p:transition/>
 </p:sldLayout>
 </file>
 
@@ -7991,7 +7992,7 @@
   <p:clrMapOvr>
     <a:masterClrMapping/>
   </p:clrMapOvr>
-  <p:transition xmlns:p14="http://schemas.microsoft.com/office/powerpoint/2010/main"/>
+  <p:transition/>
 </p:sldLayout>
 </file>
 
@@ -8691,7 +8692,7 @@
   <p:clrMapOvr>
     <a:masterClrMapping/>
   </p:clrMapOvr>
-  <p:transition xmlns:p14="http://schemas.microsoft.com/office/powerpoint/2010/main"/>
+  <p:transition/>
 </p:sldLayout>
 </file>
 
@@ -9411,14 +9412,14 @@
             <a:noFill/>
           </a:ln>
           <a:extLst>
-            <a:ext uri="{909E8E84-426E-40dd-AFC4-6F175D3DCCD1}">
+            <a:ext uri="{909E8E84-426E-40DD-AFC4-6F175D3DCCD1}">
               <a14:hiddenFill xmlns:a14="http://schemas.microsoft.com/office/drawing/2010/main">
                 <a:solidFill>
                   <a:srgbClr val="FFFFFF"/>
                 </a:solidFill>
               </a14:hiddenFill>
             </a:ext>
-            <a:ext uri="{91240B29-F687-4f45-9708-019B960494DF}">
+            <a:ext uri="{91240B29-F687-4F45-9708-019B960494DF}">
               <a14:hiddenLine xmlns:a14="http://schemas.microsoft.com/office/drawing/2010/main" w="9525">
                 <a:solidFill>
                   <a:srgbClr val="000000"/>
@@ -10604,14 +10605,14 @@
             <a:noFill/>
           </a:ln>
           <a:extLst>
-            <a:ext uri="{909E8E84-426E-40dd-AFC4-6F175D3DCCD1}">
+            <a:ext uri="{909E8E84-426E-40DD-AFC4-6F175D3DCCD1}">
               <a14:hiddenFill xmlns:a14="http://schemas.microsoft.com/office/drawing/2010/main">
                 <a:solidFill>
                   <a:srgbClr val="FFFFFF"/>
                 </a:solidFill>
               </a14:hiddenFill>
             </a:ext>
-            <a:ext uri="{91240B29-F687-4f45-9708-019B960494DF}">
+            <a:ext uri="{91240B29-F687-4F45-9708-019B960494DF}">
               <a14:hiddenLine xmlns:a14="http://schemas.microsoft.com/office/drawing/2010/main" w="9525">
                 <a:solidFill>
                   <a:srgbClr val="000000"/>
@@ -11168,14 +11169,14 @@
             <a:noFill/>
           </a:ln>
           <a:extLst>
-            <a:ext uri="{909E8E84-426E-40dd-AFC4-6F175D3DCCD1}">
+            <a:ext uri="{909E8E84-426E-40DD-AFC4-6F175D3DCCD1}">
               <a14:hiddenFill xmlns:a14="http://schemas.microsoft.com/office/drawing/2010/main">
                 <a:solidFill>
                   <a:srgbClr val="FFFFFF"/>
                 </a:solidFill>
               </a14:hiddenFill>
             </a:ext>
-            <a:ext uri="{91240B29-F687-4f45-9708-019B960494DF}">
+            <a:ext uri="{91240B29-F687-4F45-9708-019B960494DF}">
               <a14:hiddenLine xmlns:a14="http://schemas.microsoft.com/office/drawing/2010/main" w="9525">
                 <a:solidFill>
                   <a:srgbClr val="000000"/>
@@ -11857,14 +11858,14 @@
             <a:noFill/>
           </a:ln>
           <a:extLst>
-            <a:ext uri="{909E8E84-426E-40dd-AFC4-6F175D3DCCD1}">
+            <a:ext uri="{909E8E84-426E-40DD-AFC4-6F175D3DCCD1}">
               <a14:hiddenFill xmlns:a14="http://schemas.microsoft.com/office/drawing/2010/main">
                 <a:solidFill>
                   <a:srgbClr val="FFFFFF"/>
                 </a:solidFill>
               </a14:hiddenFill>
             </a:ext>
-            <a:ext uri="{91240B29-F687-4f45-9708-019B960494DF}">
+            <a:ext uri="{91240B29-F687-4F45-9708-019B960494DF}">
               <a14:hiddenLine xmlns:a14="http://schemas.microsoft.com/office/drawing/2010/main" w="9525">
                 <a:solidFill>
                   <a:srgbClr val="000000"/>
@@ -13430,7 +13431,7 @@
   <p:clrMapOvr>
     <a:masterClrMapping/>
   </p:clrMapOvr>
-  <p:transition xmlns:p14="http://schemas.microsoft.com/office/powerpoint/2010/main"/>
+  <p:transition/>
 </p:sldLayout>
 </file>
 
@@ -14065,7 +14066,7 @@
   <p:clrMapOvr>
     <a:masterClrMapping/>
   </p:clrMapOvr>
-  <p:transition xmlns:p14="http://schemas.microsoft.com/office/powerpoint/2010/main"/>
+  <p:transition/>
 </p:sldLayout>
 </file>
 
@@ -14700,7 +14701,7 @@
   <p:clrMapOvr>
     <a:masterClrMapping/>
   </p:clrMapOvr>
-  <p:transition xmlns:p14="http://schemas.microsoft.com/office/powerpoint/2010/main"/>
+  <p:transition/>
 </p:sldLayout>
 </file>
 
@@ -14800,7 +14801,7 @@
   <p:timing>
     <p:tnLst>
       <p:par>
-        <p:cTn xmlns:p14="http://schemas.microsoft.com/office/powerpoint/2010/main" id="1" dur="indefinite" restart="never" nodeType="tmRoot"/>
+        <p:cTn id="1" dur="indefinite" restart="never" nodeType="tmRoot"/>
       </p:par>
     </p:tnLst>
   </p:timing>
@@ -15287,14 +15288,14 @@
           </a:xfrm>
           <a:noFill/>
           <a:extLst>
-            <a:ext uri="{909E8E84-426E-40dd-AFC4-6F175D3DCCD1}">
+            <a:ext uri="{909E8E84-426E-40DD-AFC4-6F175D3DCCD1}">
               <a14:hiddenFill xmlns:a14="http://schemas.microsoft.com/office/drawing/2010/main">
                 <a:solidFill>
                   <a:srgbClr val="FFFFFF"/>
                 </a:solidFill>
               </a14:hiddenFill>
             </a:ext>
-            <a:ext uri="{91240B29-F687-4f45-9708-019B960494DF}">
+            <a:ext uri="{91240B29-F687-4F45-9708-019B960494DF}">
               <a14:hiddenLine xmlns:a14="http://schemas.microsoft.com/office/drawing/2010/main" w="9525">
                 <a:solidFill>
                   <a:srgbClr val="000000"/>
@@ -15402,14 +15403,14 @@
           </a:xfrm>
           <a:noFill/>
           <a:extLst>
-            <a:ext uri="{909E8E84-426E-40dd-AFC4-6F175D3DCCD1}">
+            <a:ext uri="{909E8E84-426E-40DD-AFC4-6F175D3DCCD1}">
               <a14:hiddenFill xmlns:a14="http://schemas.microsoft.com/office/drawing/2010/main">
                 <a:solidFill>
                   <a:srgbClr val="FFFFFF"/>
                 </a:solidFill>
               </a14:hiddenFill>
             </a:ext>
-            <a:ext uri="{91240B29-F687-4f45-9708-019B960494DF}">
+            <a:ext uri="{91240B29-F687-4F45-9708-019B960494DF}">
               <a14:hiddenLine xmlns:a14="http://schemas.microsoft.com/office/drawing/2010/main" w="9525">
                 <a:solidFill>
                   <a:srgbClr val="000000"/>
@@ -15524,14 +15525,14 @@
             <a:noFill/>
           </a:ln>
           <a:extLst>
-            <a:ext uri="{909E8E84-426E-40dd-AFC4-6F175D3DCCD1}">
+            <a:ext uri="{909E8E84-426E-40DD-AFC4-6F175D3DCCD1}">
               <a14:hiddenFill xmlns:a14="http://schemas.microsoft.com/office/drawing/2010/main">
                 <a:solidFill>
                   <a:srgbClr val="FFFFFF"/>
                 </a:solidFill>
               </a14:hiddenFill>
             </a:ext>
-            <a:ext uri="{91240B29-F687-4f45-9708-019B960494DF}">
+            <a:ext uri="{91240B29-F687-4F45-9708-019B960494DF}">
               <a14:hiddenLine xmlns:a14="http://schemas.microsoft.com/office/drawing/2010/main" w="9525">
                 <a:solidFill>
                   <a:srgbClr val="000000"/>
@@ -15748,14 +15749,14 @@
             <a:noFill/>
           </a:ln>
           <a:extLst>
-            <a:ext uri="{909E8E84-426E-40dd-AFC4-6F175D3DCCD1}">
+            <a:ext uri="{909E8E84-426E-40DD-AFC4-6F175D3DCCD1}">
               <a14:hiddenFill xmlns:a14="http://schemas.microsoft.com/office/drawing/2010/main">
                 <a:solidFill>
                   <a:srgbClr val="FFFFFF"/>
                 </a:solidFill>
               </a14:hiddenFill>
             </a:ext>
-            <a:ext uri="{91240B29-F687-4f45-9708-019B960494DF}">
+            <a:ext uri="{91240B29-F687-4F45-9708-019B960494DF}">
               <a14:hiddenLine xmlns:a14="http://schemas.microsoft.com/office/drawing/2010/main" w="9525">
                 <a:solidFill>
                   <a:srgbClr val="000000"/>
@@ -15881,13 +15882,13 @@
           <a:p>
             <a:pPr eaLnBrk="1" hangingPunct="1"/>
             <a:r>
-              <a:rPr lang="zh-CHT" altLang="en-US" sz="1800" b="1" dirty="0">
+              <a:rPr lang="zh-Hant" altLang="en-US" sz="1800" b="1" dirty="0">
                 <a:latin typeface="Century Gothic" panose="020B0502020202020204" pitchFamily="34" charset="0"/>
                 <a:ea typeface="標楷體" panose="03000509000000000000" pitchFamily="65" charset="-120"/>
               </a:rPr>
               <a:t>吾生也有涯，而知也無涯。</a:t>
             </a:r>
-            <a:endParaRPr lang="en-US" altLang="zh-CHT" sz="1800" b="1" dirty="0">
+            <a:endParaRPr lang="en-US" altLang="zh-Hant" sz="1800" b="1" dirty="0">
               <a:latin typeface="Century Gothic" panose="020B0502020202020204" pitchFamily="34" charset="0"/>
               <a:ea typeface="標楷體" panose="03000509000000000000" pitchFamily="65" charset="-120"/>
             </a:endParaRPr>
@@ -15895,13 +15896,13 @@
           <a:p>
             <a:pPr eaLnBrk="1" hangingPunct="1"/>
             <a:r>
-              <a:rPr lang="zh-CHT" altLang="en-US" sz="1800" b="1" dirty="0">
+              <a:rPr lang="zh-Hant" altLang="en-US" sz="1800" b="1" dirty="0">
                 <a:latin typeface="Century Gothic" panose="020B0502020202020204" pitchFamily="34" charset="0"/>
                 <a:ea typeface="標楷體" panose="03000509000000000000" pitchFamily="65" charset="-120"/>
               </a:rPr>
               <a:t>以有涯隨無涯，殆已！</a:t>
             </a:r>
-            <a:endParaRPr lang="en-US" altLang="zh-CHT" sz="1800" b="1" dirty="0">
+            <a:endParaRPr lang="en-US" altLang="zh-Hant" sz="1800" b="1" dirty="0">
               <a:latin typeface="Century Gothic" panose="020B0502020202020204" pitchFamily="34" charset="0"/>
               <a:ea typeface="標楷體" panose="03000509000000000000" pitchFamily="65" charset="-120"/>
             </a:endParaRPr>
@@ -15909,7 +15910,7 @@
           <a:p>
             <a:pPr eaLnBrk="1" hangingPunct="1"/>
             <a:r>
-              <a:rPr lang="zh-CHT" altLang="en-US" sz="1800" b="1" dirty="0">
+              <a:rPr lang="zh-Hant" altLang="en-US" sz="1800" b="1" dirty="0">
                 <a:latin typeface="Century Gothic" panose="020B0502020202020204" pitchFamily="34" charset="0"/>
                 <a:ea typeface="標楷體" panose="03000509000000000000" pitchFamily="65" charset="-120"/>
               </a:rPr>
@@ -15930,7 +15931,7 @@
   <p:timing>
     <p:tnLst>
       <p:par>
-        <p:cTn xmlns:p14="http://schemas.microsoft.com/office/powerpoint/2010/main" id="1" dur="indefinite" restart="never" nodeType="tmRoot"/>
+        <p:cTn id="1" dur="indefinite" restart="never" nodeType="tmRoot"/>
       </p:par>
     </p:tnLst>
   </p:timing>
@@ -16011,14 +16012,14 @@
               </a:lnSpc>
             </a:pPr>
             <a:r>
-              <a:rPr lang="zh-CHT" altLang="en-US" dirty="0"/>
+              <a:rPr lang="zh-Hant" altLang="en-US" dirty="0"/>
               <a:t>「一個好的工程師學寫程式並不是為了賺錢或是贏得大家的關注，只因為這真的很有趣！</a:t>
             </a:r>
             <a:r>
-              <a:rPr lang="zh-CHT" altLang="en-US" dirty="0" smtClean="0"/>
+              <a:rPr lang="zh-Hant" altLang="en-US" dirty="0" smtClean="0"/>
               <a:t>」</a:t>
             </a:r>
-            <a:endParaRPr lang="en-US" altLang="zh-CHT" dirty="0" smtClean="0"/>
+            <a:endParaRPr lang="en-US" altLang="zh-Hant" dirty="0" smtClean="0"/>
           </a:p>
           <a:p>
             <a:pPr marL="360362" lvl="1" indent="0" algn="r">
@@ -16028,30 +16029,30 @@
               <a:buNone/>
             </a:pPr>
             <a:r>
-              <a:rPr lang="en-US" altLang="zh-CHT" dirty="0" smtClean="0"/>
+              <a:rPr lang="en-US" altLang="zh-Hant" dirty="0" smtClean="0"/>
               <a:t>– </a:t>
             </a:r>
             <a:r>
-              <a:rPr lang="en-US" altLang="zh-CHT" dirty="0"/>
+              <a:rPr lang="en-US" altLang="zh-Hant" dirty="0"/>
               <a:t>Linus Torvalds </a:t>
             </a:r>
             <a:r>
-              <a:rPr lang="zh-CHT" altLang="en-US" dirty="0"/>
+              <a:rPr lang="zh-Hant" altLang="en-US" dirty="0"/>
               <a:t>（</a:t>
             </a:r>
             <a:r>
-              <a:rPr lang="en-US" altLang="zh-CHT" dirty="0"/>
+              <a:rPr lang="en-US" altLang="zh-Hant" dirty="0"/>
               <a:t>Linux </a:t>
             </a:r>
             <a:r>
-              <a:rPr lang="zh-CHT" altLang="en-US" dirty="0"/>
+              <a:rPr lang="zh-Hant" altLang="en-US" dirty="0"/>
               <a:t>的創辦人</a:t>
             </a:r>
             <a:r>
-              <a:rPr lang="zh-CHT" altLang="en-US" dirty="0" smtClean="0"/>
+              <a:rPr lang="zh-Hant" altLang="en-US" dirty="0" smtClean="0"/>
               <a:t>）</a:t>
             </a:r>
-            <a:endParaRPr lang="en-US" altLang="zh-CHT" dirty="0" smtClean="0"/>
+            <a:endParaRPr lang="en-US" altLang="zh-Hant" dirty="0" smtClean="0"/>
           </a:p>
           <a:p>
             <a:pPr>
@@ -16067,7 +16068,7 @@
               <a:rPr lang="en-US" altLang="zh-TW" dirty="0" smtClean="0"/>
               <a:t>-$$$$$.</a:t>
             </a:r>
-            <a:endParaRPr lang="zh-CHT" altLang="en-US" dirty="0"/>
+            <a:endParaRPr lang="zh-Hant" altLang="en-US" dirty="0"/>
           </a:p>
         </p:txBody>
       </p:sp>
@@ -16188,7 +16189,7 @@
       </p:sp>
       <p:sp>
         <p:nvSpPr>
-          <p:cNvPr id="2" name="Content Placeholder 1"/>
+          <p:cNvPr id="3" name="內容版面配置區 2"/>
           <p:cNvSpPr>
             <a:spLocks noGrp="1"/>
           </p:cNvSpPr>
@@ -16201,7 +16202,7 @@
           <a:bodyPr/>
           <a:lstStyle/>
           <a:p>
-            <a:endParaRPr lang="en-US"/>
+            <a:endParaRPr lang="zh-TW" altLang="en-US"/>
           </a:p>
         </p:txBody>
       </p:sp>
@@ -16237,6 +16238,123 @@
       </p:grpSpPr>
       <p:sp>
         <p:nvSpPr>
+          <p:cNvPr id="6" name="標題 5"/>
+          <p:cNvSpPr>
+            <a:spLocks noGrp="1"/>
+          </p:cNvSpPr>
+          <p:nvPr>
+            <p:ph type="title"/>
+          </p:nvPr>
+        </p:nvSpPr>
+        <p:spPr/>
+        <p:txBody>
+          <a:bodyPr/>
+          <a:lstStyle/>
+          <a:p>
+            <a:r>
+              <a:rPr lang="en-US" altLang="zh-TW" dirty="0" smtClean="0"/>
+              <a:t>Version control-</a:t>
+            </a:r>
+            <a:r>
+              <a:rPr lang="en-US" altLang="zh-TW"/>
+              <a:t>S</a:t>
+            </a:r>
+            <a:r>
+              <a:rPr lang="en-US" altLang="zh-TW" smtClean="0"/>
+              <a:t>ourceTree</a:t>
+            </a:r>
+            <a:endParaRPr lang="zh-TW" altLang="en-US" dirty="0"/>
+          </a:p>
+        </p:txBody>
+      </p:sp>
+      <p:pic>
+        <p:nvPicPr>
+          <p:cNvPr id="2050" name="Picture 2"/>
+          <p:cNvPicPr>
+            <a:picLocks noGrp="1" noChangeAspect="1" noChangeArrowheads="1"/>
+          </p:cNvPicPr>
+          <p:nvPr>
+            <p:ph idx="1"/>
+          </p:nvPr>
+        </p:nvPicPr>
+        <p:blipFill>
+          <a:blip r:embed="rId2">
+            <a:extLst>
+              <a:ext uri="{28A0092B-C50C-407E-A947-70E740481C1C}">
+                <a14:useLocalDpi xmlns:a14="http://schemas.microsoft.com/office/drawing/2010/main" val="0"/>
+              </a:ext>
+            </a:extLst>
+          </a:blip>
+          <a:srcRect/>
+          <a:stretch>
+            <a:fillRect/>
+          </a:stretch>
+        </p:blipFill>
+        <p:spPr bwMode="auto">
+          <a:xfrm>
+            <a:off x="457200" y="1642311"/>
+            <a:ext cx="8229600" cy="4292515"/>
+          </a:xfrm>
+          <a:prstGeom prst="rect">
+            <a:avLst/>
+          </a:prstGeom>
+          <a:noFill/>
+          <a:ln>
+            <a:noFill/>
+          </a:ln>
+          <a:extLst>
+            <a:ext uri="{909E8E84-426E-40DD-AFC4-6F175D3DCCD1}">
+              <a14:hiddenFill xmlns:a14="http://schemas.microsoft.com/office/drawing/2010/main">
+                <a:solidFill>
+                  <a:schemeClr val="accent1"/>
+                </a:solidFill>
+              </a14:hiddenFill>
+            </a:ext>
+            <a:ext uri="{91240B29-F687-4F45-9708-019B960494DF}">
+              <a14:hiddenLine xmlns:a14="http://schemas.microsoft.com/office/drawing/2010/main" w="9525">
+                <a:solidFill>
+                  <a:schemeClr val="tx1"/>
+                </a:solidFill>
+                <a:miter lim="800000"/>
+                <a:headEnd/>
+                <a:tailEnd/>
+              </a14:hiddenLine>
+            </a:ext>
+          </a:extLst>
+        </p:spPr>
+      </p:pic>
+    </p:spTree>
+    <p:extLst>
+      <p:ext uri="{BB962C8B-B14F-4D97-AF65-F5344CB8AC3E}">
+        <p14:creationId xmlns:p14="http://schemas.microsoft.com/office/powerpoint/2010/main" val="2863912682"/>
+      </p:ext>
+    </p:extLst>
+  </p:cSld>
+  <p:clrMapOvr>
+    <a:masterClrMapping/>
+  </p:clrMapOvr>
+</p:sld>
+</file>
+
+<file path=ppt/slides/slide5.xml><?xml version="1.0" encoding="utf-8"?>
+<p:sld xmlns:a="http://schemas.openxmlformats.org/drawingml/2006/main" xmlns:r="http://schemas.openxmlformats.org/officeDocument/2006/relationships" xmlns:p="http://schemas.openxmlformats.org/presentationml/2006/main">
+  <p:cSld>
+    <p:spTree>
+      <p:nvGrpSpPr>
+        <p:cNvPr id="1" name=""/>
+        <p:cNvGrpSpPr/>
+        <p:nvPr/>
+      </p:nvGrpSpPr>
+      <p:grpSpPr>
+        <a:xfrm>
+          <a:off x="0" y="0"/>
+          <a:ext cx="0" cy="0"/>
+          <a:chOff x="0" y="0"/>
+          <a:chExt cx="0" cy="0"/>
+        </a:xfrm>
+      </p:grpSpPr>
+      <p:sp>
+        <p:nvSpPr>
           <p:cNvPr id="4" name="Title 3"/>
           <p:cNvSpPr>
             <a:spLocks noGrp="1"/>
@@ -16286,7 +16404,7 @@
 </p:sld>
 </file>
 
-<file path=ppt/slides/slide5.xml><?xml version="1.0" encoding="utf-8"?>
+<file path=ppt/slides/slide6.xml><?xml version="1.0" encoding="utf-8"?>
 <p:sld xmlns:a="http://schemas.openxmlformats.org/drawingml/2006/main" xmlns:r="http://schemas.openxmlformats.org/officeDocument/2006/relationships" xmlns:p="http://schemas.openxmlformats.org/presentationml/2006/main">
   <p:cSld>
     <p:spTree>
@@ -16320,14 +16438,14 @@
           </a:xfrm>
           <a:noFill/>
           <a:extLst>
-            <a:ext uri="{909E8E84-426E-40dd-AFC4-6F175D3DCCD1}">
+            <a:ext uri="{909E8E84-426E-40DD-AFC4-6F175D3DCCD1}">
               <a14:hiddenFill xmlns:a14="http://schemas.microsoft.com/office/drawing/2010/main">
                 <a:solidFill>
                   <a:srgbClr val="FFFFFF"/>
                 </a:solidFill>
               </a14:hiddenFill>
             </a:ext>
-            <a:ext uri="{91240B29-F687-4f45-9708-019B960494DF}">
+            <a:ext uri="{91240B29-F687-4F45-9708-019B960494DF}">
               <a14:hiddenLine xmlns:a14="http://schemas.microsoft.com/office/drawing/2010/main" w="9525">
                 <a:solidFill>
                   <a:srgbClr val="000000"/>
@@ -16458,7 +16576,7 @@
                 <a:ea typeface="微軟正黑體" pitchFamily="34" charset="-120"/>
               </a:rPr>
               <a:pPr eaLnBrk="1" hangingPunct="1"/>
-              <a:t>5</a:t>
+              <a:t>6</a:t>
             </a:fld>
             <a:endParaRPr lang="en-US" altLang="zh-TW" sz="1100">
               <a:solidFill>
@@ -16646,18 +16764,18 @@
   <p:clrMapOvr>
     <a:masterClrMapping/>
   </p:clrMapOvr>
-  <p:transition xmlns:p14="http://schemas.microsoft.com/office/powerpoint/2010/main"/>
+  <p:transition/>
   <p:timing>
     <p:tnLst>
       <p:par>
-        <p:cTn xmlns:p14="http://schemas.microsoft.com/office/powerpoint/2010/main" id="1" dur="indefinite" restart="never" nodeType="tmRoot"/>
+        <p:cTn id="1" dur="indefinite" restart="never" nodeType="tmRoot"/>
       </p:par>
     </p:tnLst>
   </p:timing>
 </p:sld>
 </file>
 
-<file path=ppt/slides/slide6.xml><?xml version="1.0" encoding="utf-8"?>
+<file path=ppt/slides/slide7.xml><?xml version="1.0" encoding="utf-8"?>
 <p:sld xmlns:a="http://schemas.openxmlformats.org/drawingml/2006/main" xmlns:r="http://schemas.openxmlformats.org/officeDocument/2006/relationships" xmlns:p="http://schemas.openxmlformats.org/presentationml/2006/main">
   <p:cSld>
     <p:spTree>
@@ -22800,7 +22918,7 @@
 </p:sld>
 </file>
 
-<file path=ppt/slides/slide7.xml><?xml version="1.0" encoding="utf-8"?>
+<file path=ppt/slides/slide8.xml><?xml version="1.0" encoding="utf-8"?>
 <p:sld xmlns:a="http://schemas.openxmlformats.org/drawingml/2006/main" xmlns:r="http://schemas.openxmlformats.org/officeDocument/2006/relationships" xmlns:p="http://schemas.openxmlformats.org/presentationml/2006/main">
   <p:cSld>
     <p:spTree>
@@ -22843,7 +22961,7 @@
             <a:fld id="{2083473D-6E70-405D-9B67-5274B717AA3D}" type="slidenum">
               <a:rPr lang="en-US" altLang="zh-TW"/>
               <a:pPr/>
-              <a:t>7</a:t>
+              <a:t>8</a:t>
             </a:fld>
             <a:endParaRPr lang="en-US" altLang="zh-TW"/>
           </a:p>
@@ -22906,7 +23024,7 @@
           </a:ln>
           <a:effectLst/>
           <a:extLst>
-            <a:ext uri="{AF507438-7753-43e0-B8FC-AC1667EBCBE1}">
+            <a:ext uri="{AF507438-7753-43E0-B8FC-AC1667EBCBE1}">
               <a14:hiddenEffects xmlns:a14="http://schemas.microsoft.com/office/drawing/2010/main">
                 <a:effectLst>
                   <a:outerShdw dist="35921" dir="2700000" algn="ctr" rotWithShape="0">
@@ -22998,7 +23116,7 @@
               </a:ln>
               <a:effectLst/>
               <a:extLst>
-                <a:ext uri="{AF507438-7753-43e0-B8FC-AC1667EBCBE1}">
+                <a:ext uri="{AF507438-7753-43E0-B8FC-AC1667EBCBE1}">
                   <a14:hiddenEffects xmlns:a14="http://schemas.microsoft.com/office/drawing/2010/main">
                     <a:effectLst>
                       <a:outerShdw dist="35921" dir="2700000" algn="ctr" rotWithShape="0">
@@ -23039,14 +23157,14 @@
               </a:ln>
               <a:effectLst/>
               <a:extLst>
-                <a:ext uri="{909E8E84-426E-40dd-AFC4-6F175D3DCCD1}">
+                <a:ext uri="{909E8E84-426E-40DD-AFC4-6F175D3DCCD1}">
                   <a14:hiddenFill xmlns:a14="http://schemas.microsoft.com/office/drawing/2010/main">
                     <a:solidFill>
                       <a:srgbClr val="CC6600"/>
                     </a:solidFill>
                   </a14:hiddenFill>
                 </a:ext>
-                <a:ext uri="{91240B29-F687-4f45-9708-019B960494DF}">
+                <a:ext uri="{91240B29-F687-4F45-9708-019B960494DF}">
                   <a14:hiddenLine xmlns:a14="http://schemas.microsoft.com/office/drawing/2010/main" w="9525">
                     <a:solidFill>
                       <a:schemeClr val="tx1"/>
@@ -23056,7 +23174,7 @@
                     <a:tailEnd/>
                   </a14:hiddenLine>
                 </a:ext>
-                <a:ext uri="{AF507438-7753-43e0-B8FC-AC1667EBCBE1}">
+                <a:ext uri="{AF507438-7753-43E0-B8FC-AC1667EBCBE1}">
                   <a14:hiddenEffects xmlns:a14="http://schemas.microsoft.com/office/drawing/2010/main">
                     <a:effectLst>
                       <a:outerShdw dist="35921" dir="2700000" algn="ctr" rotWithShape="0">
@@ -23128,14 +23246,14 @@
               <a:noFill/>
             </a:ln>
             <a:extLst>
-              <a:ext uri="{909E8E84-426E-40dd-AFC4-6F175D3DCCD1}">
+              <a:ext uri="{909E8E84-426E-40DD-AFC4-6F175D3DCCD1}">
                 <a14:hiddenFill xmlns:a14="http://schemas.microsoft.com/office/drawing/2010/main">
                   <a:solidFill>
                     <a:srgbClr val="FFFFFF"/>
                   </a:solidFill>
                 </a14:hiddenFill>
               </a:ext>
-              <a:ext uri="{91240B29-F687-4f45-9708-019B960494DF}">
+              <a:ext uri="{91240B29-F687-4F45-9708-019B960494DF}">
                 <a14:hiddenLine xmlns:a14="http://schemas.microsoft.com/office/drawing/2010/main" w="9525">
                   <a:solidFill>
                     <a:srgbClr val="000000"/>
@@ -23212,7 +23330,7 @@
               </a:ln>
               <a:effectLst/>
               <a:extLst>
-                <a:ext uri="{AF507438-7753-43e0-B8FC-AC1667EBCBE1}">
+                <a:ext uri="{AF507438-7753-43E0-B8FC-AC1667EBCBE1}">
                   <a14:hiddenEffects xmlns:a14="http://schemas.microsoft.com/office/drawing/2010/main">
                     <a:effectLst>
                       <a:outerShdw dist="35921" dir="2700000" algn="ctr" rotWithShape="0">
@@ -23253,14 +23371,14 @@
               </a:ln>
               <a:effectLst/>
               <a:extLst>
-                <a:ext uri="{909E8E84-426E-40dd-AFC4-6F175D3DCCD1}">
+                <a:ext uri="{909E8E84-426E-40DD-AFC4-6F175D3DCCD1}">
                   <a14:hiddenFill xmlns:a14="http://schemas.microsoft.com/office/drawing/2010/main">
                     <a:solidFill>
                       <a:schemeClr val="accent1"/>
                     </a:solidFill>
                   </a14:hiddenFill>
                 </a:ext>
-                <a:ext uri="{91240B29-F687-4f45-9708-019B960494DF}">
+                <a:ext uri="{91240B29-F687-4F45-9708-019B960494DF}">
                   <a14:hiddenLine xmlns:a14="http://schemas.microsoft.com/office/drawing/2010/main" w="9525">
                     <a:solidFill>
                       <a:schemeClr val="tx1"/>
@@ -23270,7 +23388,7 @@
                     <a:tailEnd/>
                   </a14:hiddenLine>
                 </a:ext>
-                <a:ext uri="{AF507438-7753-43e0-B8FC-AC1667EBCBE1}">
+                <a:ext uri="{AF507438-7753-43E0-B8FC-AC1667EBCBE1}">
                   <a14:hiddenEffects xmlns:a14="http://schemas.microsoft.com/office/drawing/2010/main">
                     <a:effectLst>
                       <a:outerShdw dist="35921" dir="2700000" algn="ctr" rotWithShape="0">
@@ -23356,14 +23474,14 @@
               <a:noFill/>
             </a:ln>
             <a:extLst>
-              <a:ext uri="{909E8E84-426E-40dd-AFC4-6F175D3DCCD1}">
+              <a:ext uri="{909E8E84-426E-40DD-AFC4-6F175D3DCCD1}">
                 <a14:hiddenFill xmlns:a14="http://schemas.microsoft.com/office/drawing/2010/main">
                   <a:solidFill>
                     <a:srgbClr val="FFFFFF"/>
                   </a:solidFill>
                 </a14:hiddenFill>
               </a:ext>
-              <a:ext uri="{91240B29-F687-4f45-9708-019B960494DF}">
+              <a:ext uri="{91240B29-F687-4F45-9708-019B960494DF}">
                 <a14:hiddenLine xmlns:a14="http://schemas.microsoft.com/office/drawing/2010/main" w="9525">
                   <a:solidFill>
                     <a:srgbClr val="000000"/>
@@ -23411,7 +23529,7 @@
             <a:graphicData uri="http://schemas.openxmlformats.org/presentationml/2006/ole">
               <mc:AlternateContent xmlns:mc="http://schemas.openxmlformats.org/markup-compatibility/2006">
                 <mc:Choice xmlns:v="urn:schemas-microsoft-com:vml" Requires="v">
-                  <p:oleObj spid="_x0000_s1037" name="Clip" r:id="rId6" imgW="2286000" imgH="4125600" progId="MS_ClipArt_Gallery.2">
+                  <p:oleObj spid="_x0000_s1039" name="Clip" r:id="rId6" imgW="2286000" imgH="4125600" progId="MS_ClipArt_Gallery.2">
                     <p:embed/>
                   </p:oleObj>
                 </mc:Choice>
@@ -23453,14 +23571,14 @@
                         </a:ln>
                         <a:effectLst/>
                         <a:extLst>
-                          <a:ext uri="{909E8E84-426E-40dd-AFC4-6F175D3DCCD1}">
+                          <a:ext uri="{909E8E84-426E-40DD-AFC4-6F175D3DCCD1}">
                             <a14:hiddenFill xmlns:a14="http://schemas.microsoft.com/office/drawing/2010/main">
                               <a:solidFill>
                                 <a:schemeClr val="accent1"/>
                               </a:solidFill>
                             </a14:hiddenFill>
                           </a:ext>
-                          <a:ext uri="{91240B29-F687-4f45-9708-019B960494DF}">
+                          <a:ext uri="{91240B29-F687-4F45-9708-019B960494DF}">
                             <a14:hiddenLine xmlns:a14="http://schemas.microsoft.com/office/drawing/2010/main" w="12700">
                               <a:solidFill>
                                 <a:schemeClr val="tx1"/>
@@ -23470,7 +23588,7 @@
                               <a:tailEnd/>
                             </a14:hiddenLine>
                           </a:ext>
-                          <a:ext uri="{AF507438-7753-43e0-B8FC-AC1667EBCBE1}">
+                          <a:ext uri="{AF507438-7753-43E0-B8FC-AC1667EBCBE1}">
                             <a14:hiddenEffects xmlns:a14="http://schemas.microsoft.com/office/drawing/2010/main">
                               <a:effectLst>
                                 <a:outerShdw dist="35921" dir="2700000" algn="ctr" rotWithShape="0">
@@ -23510,14 +23628,14 @@
             </a:ln>
             <a:effectLst/>
             <a:extLst>
-              <a:ext uri="{909E8E84-426E-40dd-AFC4-6F175D3DCCD1}">
+              <a:ext uri="{909E8E84-426E-40DD-AFC4-6F175D3DCCD1}">
                 <a14:hiddenFill xmlns:a14="http://schemas.microsoft.com/office/drawing/2010/main">
                   <a:solidFill>
                     <a:schemeClr val="accent1"/>
                   </a:solidFill>
                 </a14:hiddenFill>
               </a:ext>
-              <a:ext uri="{91240B29-F687-4f45-9708-019B960494DF}">
+              <a:ext uri="{91240B29-F687-4F45-9708-019B960494DF}">
                 <a14:hiddenLine xmlns:a14="http://schemas.microsoft.com/office/drawing/2010/main" w="12700">
                   <a:solidFill>
                     <a:schemeClr val="tx1"/>
@@ -23527,7 +23645,7 @@
                   <a:tailEnd/>
                 </a14:hiddenLine>
               </a:ext>
-              <a:ext uri="{AF507438-7753-43e0-B8FC-AC1667EBCBE1}">
+              <a:ext uri="{AF507438-7753-43E0-B8FC-AC1667EBCBE1}">
                 <a14:hiddenEffects xmlns:a14="http://schemas.microsoft.com/office/drawing/2010/main">
                   <a:effectLst>
                     <a:outerShdw dist="35921" dir="2700000" algn="ctr" rotWithShape="0">
@@ -23579,14 +23697,14 @@
             </a:ln>
             <a:effectLst/>
             <a:extLst>
-              <a:ext uri="{909E8E84-426E-40dd-AFC4-6F175D3DCCD1}">
+              <a:ext uri="{909E8E84-426E-40DD-AFC4-6F175D3DCCD1}">
                 <a14:hiddenFill xmlns:a14="http://schemas.microsoft.com/office/drawing/2010/main">
                   <a:solidFill>
                     <a:schemeClr val="accent1"/>
                   </a:solidFill>
                 </a14:hiddenFill>
               </a:ext>
-              <a:ext uri="{91240B29-F687-4f45-9708-019B960494DF}">
+              <a:ext uri="{91240B29-F687-4F45-9708-019B960494DF}">
                 <a14:hiddenLine xmlns:a14="http://schemas.microsoft.com/office/drawing/2010/main" w="12700">
                   <a:solidFill>
                     <a:schemeClr val="tx1"/>
@@ -23596,7 +23714,7 @@
                   <a:tailEnd/>
                 </a14:hiddenLine>
               </a:ext>
-              <a:ext uri="{AF507438-7753-43e0-B8FC-AC1667EBCBE1}">
+              <a:ext uri="{AF507438-7753-43E0-B8FC-AC1667EBCBE1}">
                 <a14:hiddenEffects xmlns:a14="http://schemas.microsoft.com/office/drawing/2010/main">
                   <a:effectLst>
                     <a:outerShdw dist="35921" dir="2700000" algn="ctr" rotWithShape="0">
@@ -23648,14 +23766,14 @@
             </a:ln>
             <a:effectLst/>
             <a:extLst>
-              <a:ext uri="{909E8E84-426E-40dd-AFC4-6F175D3DCCD1}">
+              <a:ext uri="{909E8E84-426E-40DD-AFC4-6F175D3DCCD1}">
                 <a14:hiddenFill xmlns:a14="http://schemas.microsoft.com/office/drawing/2010/main">
                   <a:solidFill>
                     <a:schemeClr val="accent1"/>
                   </a:solidFill>
                 </a14:hiddenFill>
               </a:ext>
-              <a:ext uri="{91240B29-F687-4f45-9708-019B960494DF}">
+              <a:ext uri="{91240B29-F687-4F45-9708-019B960494DF}">
                 <a14:hiddenLine xmlns:a14="http://schemas.microsoft.com/office/drawing/2010/main" w="12700">
                   <a:solidFill>
                     <a:schemeClr val="tx1"/>
@@ -23665,7 +23783,7 @@
                   <a:tailEnd/>
                 </a14:hiddenLine>
               </a:ext>
-              <a:ext uri="{AF507438-7753-43e0-B8FC-AC1667EBCBE1}">
+              <a:ext uri="{AF507438-7753-43E0-B8FC-AC1667EBCBE1}">
                 <a14:hiddenEffects xmlns:a14="http://schemas.microsoft.com/office/drawing/2010/main">
                   <a:effectLst>
                     <a:outerShdw dist="35921" dir="2700000" algn="ctr" rotWithShape="0">
@@ -23775,7 +23893,7 @@
                 </a:ln>
                 <a:effectLst/>
                 <a:extLst>
-                  <a:ext uri="{AF507438-7753-43e0-B8FC-AC1667EBCBE1}">
+                  <a:ext uri="{AF507438-7753-43E0-B8FC-AC1667EBCBE1}">
                     <a14:hiddenEffects xmlns:a14="http://schemas.microsoft.com/office/drawing/2010/main">
                       <a:effectLst>
                         <a:outerShdw dist="35921" dir="2700000" algn="ctr" rotWithShape="0">
@@ -23816,14 +23934,14 @@
                 </a:ln>
                 <a:effectLst/>
                 <a:extLst>
-                  <a:ext uri="{909E8E84-426E-40dd-AFC4-6F175D3DCCD1}">
+                  <a:ext uri="{909E8E84-426E-40DD-AFC4-6F175D3DCCD1}">
                     <a14:hiddenFill xmlns:a14="http://schemas.microsoft.com/office/drawing/2010/main">
                       <a:solidFill>
                         <a:schemeClr val="accent1"/>
                       </a:solidFill>
                     </a14:hiddenFill>
                   </a:ext>
-                  <a:ext uri="{91240B29-F687-4f45-9708-019B960494DF}">
+                  <a:ext uri="{91240B29-F687-4F45-9708-019B960494DF}">
                     <a14:hiddenLine xmlns:a14="http://schemas.microsoft.com/office/drawing/2010/main" w="9525">
                       <a:solidFill>
                         <a:schemeClr val="tx1"/>
@@ -23833,7 +23951,7 @@
                       <a:tailEnd/>
                     </a14:hiddenLine>
                   </a:ext>
-                  <a:ext uri="{AF507438-7753-43e0-B8FC-AC1667EBCBE1}">
+                  <a:ext uri="{AF507438-7753-43E0-B8FC-AC1667EBCBE1}">
                     <a14:hiddenEffects xmlns:a14="http://schemas.microsoft.com/office/drawing/2010/main">
                       <a:effectLst>
                         <a:outerShdw dist="35921" dir="2700000" algn="ctr" rotWithShape="0">
@@ -23915,7 +24033,7 @@
               <a:graphicData uri="http://schemas.openxmlformats.org/presentationml/2006/ole">
                 <mc:AlternateContent xmlns:mc="http://schemas.openxmlformats.org/markup-compatibility/2006">
                   <mc:Choice xmlns:v="urn:schemas-microsoft-com:vml" Requires="v">
-                    <p:oleObj spid="_x0000_s1038" name="Clip" r:id="rId8" imgW="2409480" imgH="2295000" progId="MS_ClipArt_Gallery.5">
+                    <p:oleObj spid="_x0000_s1040" name="Clip" r:id="rId8" imgW="2409480" imgH="2295000" progId="MS_ClipArt_Gallery.5">
                       <p:embed/>
                     </p:oleObj>
                   </mc:Choice>
@@ -23957,14 +24075,14 @@
                           </a:ln>
                           <a:effectLst/>
                           <a:extLst>
-                            <a:ext uri="{909E8E84-426E-40dd-AFC4-6F175D3DCCD1}">
+                            <a:ext uri="{909E8E84-426E-40DD-AFC4-6F175D3DCCD1}">
                               <a14:hiddenFill xmlns:a14="http://schemas.microsoft.com/office/drawing/2010/main">
                                 <a:solidFill>
                                   <a:schemeClr val="accent1"/>
                                 </a:solidFill>
                               </a14:hiddenFill>
                             </a:ext>
-                            <a:ext uri="{91240B29-F687-4f45-9708-019B960494DF}">
+                            <a:ext uri="{91240B29-F687-4F45-9708-019B960494DF}">
                               <a14:hiddenLine xmlns:a14="http://schemas.microsoft.com/office/drawing/2010/main" w="9525">
                                 <a:solidFill>
                                   <a:schemeClr val="tx1"/>
@@ -23974,7 +24092,7 @@
                                 <a:tailEnd/>
                               </a14:hiddenLine>
                             </a:ext>
-                            <a:ext uri="{AF507438-7753-43e0-B8FC-AC1667EBCBE1}">
+                            <a:ext uri="{AF507438-7753-43E0-B8FC-AC1667EBCBE1}">
                               <a14:hiddenEffects xmlns:a14="http://schemas.microsoft.com/office/drawing/2010/main">
                                 <a:effectLst>
                                   <a:outerShdw dist="35921" dir="2700000" algn="ctr" rotWithShape="0">
@@ -24015,14 +24133,14 @@
             </a:ln>
             <a:effectLst/>
             <a:extLst>
-              <a:ext uri="{909E8E84-426E-40dd-AFC4-6F175D3DCCD1}">
+              <a:ext uri="{909E8E84-426E-40DD-AFC4-6F175D3DCCD1}">
                 <a14:hiddenFill xmlns:a14="http://schemas.microsoft.com/office/drawing/2010/main">
                   <a:solidFill>
                     <a:schemeClr val="accent1"/>
                   </a:solidFill>
                 </a14:hiddenFill>
               </a:ext>
-              <a:ext uri="{91240B29-F687-4f45-9708-019B960494DF}">
+              <a:ext uri="{91240B29-F687-4F45-9708-019B960494DF}">
                 <a14:hiddenLine xmlns:a14="http://schemas.microsoft.com/office/drawing/2010/main" w="9525">
                   <a:solidFill>
                     <a:schemeClr val="tx1"/>
@@ -24032,7 +24150,7 @@
                   <a:tailEnd/>
                 </a14:hiddenLine>
               </a:ext>
-              <a:ext uri="{AF507438-7753-43e0-B8FC-AC1667EBCBE1}">
+              <a:ext uri="{AF507438-7753-43E0-B8FC-AC1667EBCBE1}">
                 <a14:hiddenEffects xmlns:a14="http://schemas.microsoft.com/office/drawing/2010/main">
                   <a:effectLst>
                     <a:outerShdw dist="35921" dir="2700000" algn="ctr" rotWithShape="0">
@@ -24100,7 +24218,7 @@
             </a:outerShdw>
           </a:effectLst>
           <a:extLst>
-            <a:ext uri="{91240B29-F687-4f45-9708-019B960494DF}">
+            <a:ext uri="{91240B29-F687-4F45-9708-019B960494DF}">
               <a14:hiddenLine xmlns:a14="http://schemas.microsoft.com/office/drawing/2010/main" w="9525">
                 <a:solidFill>
                   <a:schemeClr val="tx1"/>
@@ -24216,7 +24334,7 @@
           </a:ln>
           <a:effectLst/>
           <a:extLst>
-            <a:ext uri="{AF507438-7753-43e0-B8FC-AC1667EBCBE1}">
+            <a:ext uri="{AF507438-7753-43E0-B8FC-AC1667EBCBE1}">
               <a14:hiddenEffects xmlns:a14="http://schemas.microsoft.com/office/drawing/2010/main">
                 <a:effectLst>
                   <a:outerShdw dist="35921" dir="2700000" algn="ctr" rotWithShape="0">
@@ -24288,7 +24406,7 @@
             </a:outerShdw>
           </a:effectLst>
           <a:extLst>
-            <a:ext uri="{91240B29-F687-4f45-9708-019B960494DF}">
+            <a:ext uri="{91240B29-F687-4F45-9708-019B960494DF}">
               <a14:hiddenLine xmlns:a14="http://schemas.microsoft.com/office/drawing/2010/main" w="9525">
                 <a:solidFill>
                   <a:schemeClr val="tx1"/>
@@ -24514,7 +24632,7 @@
           </a:ln>
           <a:effectLst/>
           <a:extLst>
-            <a:ext uri="{AF507438-7753-43e0-B8FC-AC1667EBCBE1}">
+            <a:ext uri="{AF507438-7753-43E0-B8FC-AC1667EBCBE1}">
               <a14:hiddenEffects xmlns:a14="http://schemas.microsoft.com/office/drawing/2010/main">
                 <a:effectLst>
                   <a:outerShdw dist="35921" dir="2700000" algn="ctr" rotWithShape="0">
@@ -24599,7 +24717,7 @@
   <p:timing>
     <p:tnLst>
       <p:par>
-        <p:cTn xmlns:p14="http://schemas.microsoft.com/office/powerpoint/2010/main" id="1" dur="indefinite" restart="never" nodeType="tmRoot">
+        <p:cTn id="1" dur="indefinite" restart="never" nodeType="tmRoot">
           <p:childTnLst>
             <p:seq concurrent="1" nextAc="seek">
               <p:cTn id="2" dur="indefinite" nodeType="mainSeq">
@@ -24786,7 +24904,7 @@
 </p:sld>
 </file>
 
-<file path=ppt/slides/slide8.xml><?xml version="1.0" encoding="utf-8"?>
+<file path=ppt/slides/slide9.xml><?xml version="1.0" encoding="utf-8"?>
 <p:sld xmlns:a="http://schemas.openxmlformats.org/drawingml/2006/main" xmlns:r="http://schemas.openxmlformats.org/officeDocument/2006/relationships" xmlns:p="http://schemas.openxmlformats.org/presentationml/2006/main">
   <p:cSld>
     <p:spTree>
@@ -24821,7 +24939,7 @@
             <a:fld id="{6CF9A2E5-6697-4440-9486-83253D4533F4}" type="slidenum">
               <a:rPr lang="en-US" altLang="zh-TW"/>
               <a:pPr/>
-              <a:t>8</a:t>
+              <a:t>9</a:t>
             </a:fld>
             <a:endParaRPr lang="en-US" altLang="zh-TW"/>
           </a:p>
@@ -24849,14 +24967,14 @@
           </a:ln>
           <a:effectLst/>
           <a:extLst>
-            <a:ext uri="{909E8E84-426E-40dd-AFC4-6F175D3DCCD1}">
+            <a:ext uri="{909E8E84-426E-40DD-AFC4-6F175D3DCCD1}">
               <a14:hiddenFill xmlns:a14="http://schemas.microsoft.com/office/drawing/2010/main">
                 <a:solidFill>
                   <a:schemeClr val="accent1"/>
                 </a:solidFill>
               </a14:hiddenFill>
             </a:ext>
-            <a:ext uri="{91240B29-F687-4f45-9708-019B960494DF}">
+            <a:ext uri="{91240B29-F687-4F45-9708-019B960494DF}">
               <a14:hiddenLine xmlns:a14="http://schemas.microsoft.com/office/drawing/2010/main" w="9525">
                 <a:solidFill>
                   <a:schemeClr val="tx1"/>
@@ -24866,7 +24984,7 @@
                 <a:tailEnd/>
               </a14:hiddenLine>
             </a:ext>
-            <a:ext uri="{AF507438-7753-43e0-B8FC-AC1667EBCBE1}">
+            <a:ext uri="{AF507438-7753-43E0-B8FC-AC1667EBCBE1}">
               <a14:hiddenEffects xmlns:a14="http://schemas.microsoft.com/office/drawing/2010/main">
                 <a:effectLst>
                   <a:outerShdw dist="35921" dir="2700000" algn="ctr" rotWithShape="0">
@@ -24934,14 +25052,14 @@
           </a:ln>
           <a:effectLst/>
           <a:extLst>
-            <a:ext uri="{909E8E84-426E-40dd-AFC4-6F175D3DCCD1}">
+            <a:ext uri="{909E8E84-426E-40DD-AFC4-6F175D3DCCD1}">
               <a14:hiddenFill xmlns:a14="http://schemas.microsoft.com/office/drawing/2010/main">
                 <a:solidFill>
                   <a:schemeClr val="accent1"/>
                 </a:solidFill>
               </a14:hiddenFill>
             </a:ext>
-            <a:ext uri="{91240B29-F687-4f45-9708-019B960494DF}">
+            <a:ext uri="{91240B29-F687-4F45-9708-019B960494DF}">
               <a14:hiddenLine xmlns:a14="http://schemas.microsoft.com/office/drawing/2010/main" w="9525">
                 <a:solidFill>
                   <a:schemeClr val="tx1"/>
@@ -24951,7 +25069,7 @@
                 <a:tailEnd/>
               </a14:hiddenLine>
             </a:ext>
-            <a:ext uri="{AF507438-7753-43e0-B8FC-AC1667EBCBE1}">
+            <a:ext uri="{AF507438-7753-43E0-B8FC-AC1667EBCBE1}">
               <a14:hiddenEffects xmlns:a14="http://schemas.microsoft.com/office/drawing/2010/main">
                 <a:effectLst>
                   <a:outerShdw dist="35921" dir="2700000" algn="ctr" rotWithShape="0">
@@ -25021,14 +25139,14 @@
           </a:ln>
           <a:effectLst/>
           <a:extLst>
-            <a:ext uri="{909E8E84-426E-40dd-AFC4-6F175D3DCCD1}">
+            <a:ext uri="{909E8E84-426E-40DD-AFC4-6F175D3DCCD1}">
               <a14:hiddenFill xmlns:a14="http://schemas.microsoft.com/office/drawing/2010/main">
                 <a:solidFill>
                   <a:schemeClr val="accent1"/>
                 </a:solidFill>
               </a14:hiddenFill>
             </a:ext>
-            <a:ext uri="{91240B29-F687-4f45-9708-019B960494DF}">
+            <a:ext uri="{91240B29-F687-4F45-9708-019B960494DF}">
               <a14:hiddenLine xmlns:a14="http://schemas.microsoft.com/office/drawing/2010/main" w="9525">
                 <a:solidFill>
                   <a:schemeClr val="tx1"/>
@@ -25038,7 +25156,7 @@
                 <a:tailEnd/>
               </a14:hiddenLine>
             </a:ext>
-            <a:ext uri="{AF507438-7753-43e0-B8FC-AC1667EBCBE1}">
+            <a:ext uri="{AF507438-7753-43E0-B8FC-AC1667EBCBE1}">
               <a14:hiddenEffects xmlns:a14="http://schemas.microsoft.com/office/drawing/2010/main">
                 <a:effectLst>
                   <a:outerShdw dist="35921" dir="2700000" algn="ctr" rotWithShape="0">
@@ -25098,14 +25216,14 @@
           </a:ln>
           <a:effectLst/>
           <a:extLst>
-            <a:ext uri="{909E8E84-426E-40dd-AFC4-6F175D3DCCD1}">
+            <a:ext uri="{909E8E84-426E-40DD-AFC4-6F175D3DCCD1}">
               <a14:hiddenFill xmlns:a14="http://schemas.microsoft.com/office/drawing/2010/main">
                 <a:solidFill>
                   <a:schemeClr val="accent1"/>
                 </a:solidFill>
               </a14:hiddenFill>
             </a:ext>
-            <a:ext uri="{91240B29-F687-4f45-9708-019B960494DF}">
+            <a:ext uri="{91240B29-F687-4F45-9708-019B960494DF}">
               <a14:hiddenLine xmlns:a14="http://schemas.microsoft.com/office/drawing/2010/main" w="9525">
                 <a:solidFill>
                   <a:schemeClr val="tx1"/>
@@ -25115,7 +25233,7 @@
                 <a:tailEnd/>
               </a14:hiddenLine>
             </a:ext>
-            <a:ext uri="{AF507438-7753-43e0-B8FC-AC1667EBCBE1}">
+            <a:ext uri="{AF507438-7753-43E0-B8FC-AC1667EBCBE1}">
               <a14:hiddenEffects xmlns:a14="http://schemas.microsoft.com/office/drawing/2010/main">
                 <a:effectLst>
                   <a:outerShdw dist="35921" dir="2700000" algn="ctr" rotWithShape="0">
@@ -25175,14 +25293,14 @@
           </a:ln>
           <a:effectLst/>
           <a:extLst>
-            <a:ext uri="{909E8E84-426E-40dd-AFC4-6F175D3DCCD1}">
+            <a:ext uri="{909E8E84-426E-40DD-AFC4-6F175D3DCCD1}">
               <a14:hiddenFill xmlns:a14="http://schemas.microsoft.com/office/drawing/2010/main">
                 <a:solidFill>
                   <a:schemeClr val="accent1"/>
                 </a:solidFill>
               </a14:hiddenFill>
             </a:ext>
-            <a:ext uri="{91240B29-F687-4f45-9708-019B960494DF}">
+            <a:ext uri="{91240B29-F687-4F45-9708-019B960494DF}">
               <a14:hiddenLine xmlns:a14="http://schemas.microsoft.com/office/drawing/2010/main" w="9525">
                 <a:solidFill>
                   <a:schemeClr val="tx1"/>
@@ -25192,7 +25310,7 @@
                 <a:tailEnd/>
               </a14:hiddenLine>
             </a:ext>
-            <a:ext uri="{AF507438-7753-43e0-B8FC-AC1667EBCBE1}">
+            <a:ext uri="{AF507438-7753-43E0-B8FC-AC1667EBCBE1}">
               <a14:hiddenEffects xmlns:a14="http://schemas.microsoft.com/office/drawing/2010/main">
                 <a:effectLst>
                   <a:outerShdw dist="35921" dir="2700000" algn="ctr" rotWithShape="0">
@@ -25263,14 +25381,14 @@
           </a:ln>
           <a:effectLst/>
           <a:extLst>
-            <a:ext uri="{909E8E84-426E-40dd-AFC4-6F175D3DCCD1}">
+            <a:ext uri="{909E8E84-426E-40DD-AFC4-6F175D3DCCD1}">
               <a14:hiddenFill xmlns:a14="http://schemas.microsoft.com/office/drawing/2010/main">
                 <a:solidFill>
                   <a:schemeClr val="accent1"/>
                 </a:solidFill>
               </a14:hiddenFill>
             </a:ext>
-            <a:ext uri="{91240B29-F687-4f45-9708-019B960494DF}">
+            <a:ext uri="{91240B29-F687-4F45-9708-019B960494DF}">
               <a14:hiddenLine xmlns:a14="http://schemas.microsoft.com/office/drawing/2010/main" w="9525">
                 <a:solidFill>
                   <a:schemeClr val="tx1"/>
@@ -25280,7 +25398,7 @@
                 <a:tailEnd/>
               </a14:hiddenLine>
             </a:ext>
-            <a:ext uri="{AF507438-7753-43e0-B8FC-AC1667EBCBE1}">
+            <a:ext uri="{AF507438-7753-43E0-B8FC-AC1667EBCBE1}">
               <a14:hiddenEffects xmlns:a14="http://schemas.microsoft.com/office/drawing/2010/main">
                 <a:effectLst>
                   <a:outerShdw dist="35921" dir="2700000" algn="ctr" rotWithShape="0">
@@ -25328,14 +25446,14 @@
           </a:ln>
           <a:effectLst/>
           <a:extLst>
-            <a:ext uri="{909E8E84-426E-40dd-AFC4-6F175D3DCCD1}">
+            <a:ext uri="{909E8E84-426E-40DD-AFC4-6F175D3DCCD1}">
               <a14:hiddenFill xmlns:a14="http://schemas.microsoft.com/office/drawing/2010/main">
                 <a:solidFill>
                   <a:schemeClr val="accent1"/>
                 </a:solidFill>
               </a14:hiddenFill>
             </a:ext>
-            <a:ext uri="{91240B29-F687-4f45-9708-019B960494DF}">
+            <a:ext uri="{91240B29-F687-4F45-9708-019B960494DF}">
               <a14:hiddenLine xmlns:a14="http://schemas.microsoft.com/office/drawing/2010/main" w="9525">
                 <a:solidFill>
                   <a:schemeClr val="tx1"/>
@@ -25345,7 +25463,7 @@
                 <a:tailEnd/>
               </a14:hiddenLine>
             </a:ext>
-            <a:ext uri="{AF507438-7753-43e0-B8FC-AC1667EBCBE1}">
+            <a:ext uri="{AF507438-7753-43E0-B8FC-AC1667EBCBE1}">
               <a14:hiddenEffects xmlns:a14="http://schemas.microsoft.com/office/drawing/2010/main">
                 <a:effectLst>
                   <a:outerShdw dist="35921" dir="2700000" algn="ctr" rotWithShape="0">
@@ -25401,12 +25519,12 @@
           </a:ln>
           <a:effectLst/>
           <a:extLst>
-            <a:ext uri="{909E8E84-426E-40dd-AFC4-6F175D3DCCD1}">
+            <a:ext uri="{909E8E84-426E-40DD-AFC4-6F175D3DCCD1}">
               <a14:hiddenFill xmlns:a14="http://schemas.microsoft.com/office/drawing/2010/main">
                 <a:noFill/>
               </a14:hiddenFill>
             </a:ext>
-            <a:ext uri="{AF507438-7753-43e0-B8FC-AC1667EBCBE1}">
+            <a:ext uri="{AF507438-7753-43E0-B8FC-AC1667EBCBE1}">
               <a14:hiddenEffects xmlns:a14="http://schemas.microsoft.com/office/drawing/2010/main">
                 <a:effectLst>
                   <a:outerShdw dist="35921" dir="2700000" algn="ctr" rotWithShape="0">
@@ -25447,14 +25565,14 @@
           </a:ln>
           <a:effectLst/>
           <a:extLst>
-            <a:ext uri="{909E8E84-426E-40dd-AFC4-6F175D3DCCD1}">
+            <a:ext uri="{909E8E84-426E-40DD-AFC4-6F175D3DCCD1}">
               <a14:hiddenFill xmlns:a14="http://schemas.microsoft.com/office/drawing/2010/main">
                 <a:solidFill>
                   <a:schemeClr val="accent1"/>
                 </a:solidFill>
               </a14:hiddenFill>
             </a:ext>
-            <a:ext uri="{91240B29-F687-4f45-9708-019B960494DF}">
+            <a:ext uri="{91240B29-F687-4F45-9708-019B960494DF}">
               <a14:hiddenLine xmlns:a14="http://schemas.microsoft.com/office/drawing/2010/main" w="9525">
                 <a:solidFill>
                   <a:schemeClr val="tx1"/>
@@ -25464,7 +25582,7 @@
                 <a:tailEnd/>
               </a14:hiddenLine>
             </a:ext>
-            <a:ext uri="{AF507438-7753-43e0-B8FC-AC1667EBCBE1}">
+            <a:ext uri="{AF507438-7753-43E0-B8FC-AC1667EBCBE1}">
               <a14:hiddenEffects xmlns:a14="http://schemas.microsoft.com/office/drawing/2010/main">
                 <a:effectLst>
                   <a:outerShdw dist="35921" dir="2700000" algn="ctr" rotWithShape="0">
@@ -25592,14 +25710,14 @@
           </a:ln>
           <a:effectLst/>
           <a:extLst>
-            <a:ext uri="{909E8E84-426E-40dd-AFC4-6F175D3DCCD1}">
+            <a:ext uri="{909E8E84-426E-40DD-AFC4-6F175D3DCCD1}">
               <a14:hiddenFill xmlns:a14="http://schemas.microsoft.com/office/drawing/2010/main">
                 <a:solidFill>
                   <a:schemeClr val="accent1"/>
                 </a:solidFill>
               </a14:hiddenFill>
             </a:ext>
-            <a:ext uri="{91240B29-F687-4f45-9708-019B960494DF}">
+            <a:ext uri="{91240B29-F687-4F45-9708-019B960494DF}">
               <a14:hiddenLine xmlns:a14="http://schemas.microsoft.com/office/drawing/2010/main" w="9525">
                 <a:solidFill>
                   <a:schemeClr val="tx1"/>
@@ -25609,7 +25727,7 @@
                 <a:tailEnd/>
               </a14:hiddenLine>
             </a:ext>
-            <a:ext uri="{AF507438-7753-43e0-B8FC-AC1667EBCBE1}">
+            <a:ext uri="{AF507438-7753-43E0-B8FC-AC1667EBCBE1}">
               <a14:hiddenEffects xmlns:a14="http://schemas.microsoft.com/office/drawing/2010/main">
                 <a:effectLst>
                   <a:outerShdw dist="35921" dir="2700000" algn="ctr" rotWithShape="0">
@@ -25728,7 +25846,7 @@
   <p:timing>
     <p:tnLst>
       <p:par>
-        <p:cTn xmlns:p14="http://schemas.microsoft.com/office/powerpoint/2010/main" id="1" dur="indefinite" restart="never" nodeType="tmRoot">
+        <p:cTn id="1" dur="indefinite" restart="never" nodeType="tmRoot">
           <p:childTnLst>
             <p:seq concurrent="1" nextAc="seek">
               <p:cTn id="2" dur="indefinite" nodeType="mainSeq">
